--- a/Презентация.pptx
+++ b/Презентация.pptx
@@ -16,11 +16,11 @@
     <p:sldId id="261" r:id="rId7"/>
     <p:sldId id="262" r:id="rId8"/>
     <p:sldId id="263" r:id="rId9"/>
-    <p:sldId id="278" r:id="rId10"/>
-    <p:sldId id="280" r:id="rId11"/>
-    <p:sldId id="281" r:id="rId12"/>
-    <p:sldId id="279" r:id="rId13"/>
-    <p:sldId id="275" r:id="rId14"/>
+    <p:sldId id="275" r:id="rId10"/>
+    <p:sldId id="278" r:id="rId11"/>
+    <p:sldId id="280" r:id="rId12"/>
+    <p:sldId id="281" r:id="rId13"/>
+    <p:sldId id="279" r:id="rId14"/>
     <p:sldId id="264" r:id="rId15"/>
     <p:sldId id="276" r:id="rId16"/>
     <p:sldId id="277" r:id="rId17"/>
@@ -962,7 +962,7 @@
     </p:spTree>
     <p:extLst>
       <p:ext uri="{BB962C8B-B14F-4D97-AF65-F5344CB8AC3E}">
-        <p14:creationId xmlns:p14="http://schemas.microsoft.com/office/powerpoint/2010/main" val="2612678761"/>
+        <p14:creationId xmlns:p14="http://schemas.microsoft.com/office/powerpoint/2010/main" val="883923390"/>
       </p:ext>
     </p:extLst>
   </p:cSld>
@@ -1071,7 +1071,7 @@
     </p:spTree>
     <p:extLst>
       <p:ext uri="{BB962C8B-B14F-4D97-AF65-F5344CB8AC3E}">
-        <p14:creationId xmlns:p14="http://schemas.microsoft.com/office/powerpoint/2010/main" val="1402601311"/>
+        <p14:creationId xmlns:p14="http://schemas.microsoft.com/office/powerpoint/2010/main" val="2612678761"/>
       </p:ext>
     </p:extLst>
   </p:cSld>
@@ -1180,7 +1180,7 @@
     </p:spTree>
     <p:extLst>
       <p:ext uri="{BB962C8B-B14F-4D97-AF65-F5344CB8AC3E}">
-        <p14:creationId xmlns:p14="http://schemas.microsoft.com/office/powerpoint/2010/main" val="2979231204"/>
+        <p14:creationId xmlns:p14="http://schemas.microsoft.com/office/powerpoint/2010/main" val="1402601311"/>
       </p:ext>
     </p:extLst>
   </p:cSld>
@@ -1289,7 +1289,7 @@
     </p:spTree>
     <p:extLst>
       <p:ext uri="{BB962C8B-B14F-4D97-AF65-F5344CB8AC3E}">
-        <p14:creationId xmlns:p14="http://schemas.microsoft.com/office/powerpoint/2010/main" val="3393985896"/>
+        <p14:creationId xmlns:p14="http://schemas.microsoft.com/office/powerpoint/2010/main" val="2979231204"/>
       </p:ext>
     </p:extLst>
   </p:cSld>
@@ -2706,7 +2706,7 @@
     </p:spTree>
     <p:extLst>
       <p:ext uri="{BB962C8B-B14F-4D97-AF65-F5344CB8AC3E}">
-        <p14:creationId xmlns:p14="http://schemas.microsoft.com/office/powerpoint/2010/main" val="883923390"/>
+        <p14:creationId xmlns:p14="http://schemas.microsoft.com/office/powerpoint/2010/main" val="3393985896"/>
       </p:ext>
     </p:extLst>
   </p:cSld>
@@ -10382,11 +10382,19 @@
             </a:r>
             <a:r>
               <a:rPr lang="ru" dirty="0" smtClean="0"/>
-              <a:t>получилось (</a:t>
+              <a:t>получилось </a:t>
             </a:r>
             <a:r>
               <a:rPr lang="en-US" dirty="0" smtClean="0"/>
-              <a:t>BI)</a:t>
+              <a:t>(ETL </a:t>
+            </a:r>
+            <a:r>
+              <a:rPr lang="ru-RU" dirty="0" smtClean="0"/>
+              <a:t>процесс</a:t>
+            </a:r>
+            <a:r>
+              <a:rPr lang="en-US" dirty="0" smtClean="0"/>
+              <a:t>)</a:t>
             </a:r>
             <a:endParaRPr dirty="0"/>
           </a:p>
@@ -10405,7 +10413,7 @@
         <p:spPr>
           <a:xfrm>
             <a:off x="500550" y="1825750"/>
-            <a:ext cx="8520600" cy="551690"/>
+            <a:ext cx="8425736" cy="3486300"/>
           </a:xfrm>
           <a:prstGeom prst="rect">
             <a:avLst/>
@@ -10432,11 +10440,66 @@
             </a:pPr>
             <a:r>
               <a:rPr lang="ru-RU" dirty="0" smtClean="0"/>
-              <a:t>Аналитическая отчетность перенесена в </a:t>
+              <a:t>Общее описание </a:t>
             </a:r>
             <a:r>
               <a:rPr lang="en-US" dirty="0" smtClean="0"/>
-              <a:t>BI Superset</a:t>
+              <a:t>ETL </a:t>
+            </a:r>
+            <a:r>
+              <a:rPr lang="ru-RU" dirty="0" smtClean="0"/>
+              <a:t>процесса:</a:t>
+            </a:r>
+          </a:p>
+          <a:p>
+            <a:pPr marL="120650" lvl="0" indent="0" algn="l" rtl="0">
+              <a:lnSpc>
+                <a:spcPct val="100000"/>
+              </a:lnSpc>
+              <a:spcBef>
+                <a:spcPts val="0"/>
+              </a:spcBef>
+              <a:spcAft>
+                <a:spcPts val="0"/>
+              </a:spcAft>
+              <a:buSzPts val="1700"/>
+              <a:buNone/>
+            </a:pPr>
+            <a:endParaRPr lang="ru-RU" dirty="0" smtClean="0"/>
+          </a:p>
+          <a:p>
+            <a:pPr marL="120650" lvl="0" indent="0" algn="l" rtl="0">
+              <a:lnSpc>
+                <a:spcPct val="100000"/>
+              </a:lnSpc>
+              <a:spcBef>
+                <a:spcPts val="0"/>
+              </a:spcBef>
+              <a:spcAft>
+                <a:spcPts val="0"/>
+              </a:spcAft>
+              <a:buSzPts val="1700"/>
+              <a:buNone/>
+            </a:pPr>
+            <a:r>
+              <a:rPr lang="ru-RU" dirty="0" smtClean="0"/>
+              <a:t>Таблица на движке </a:t>
+            </a:r>
+            <a:r>
+              <a:rPr lang="en-US" dirty="0" smtClean="0"/>
+              <a:t>PostgreSQL (</a:t>
+            </a:r>
+            <a:r>
+              <a:rPr lang="ru-RU" dirty="0" smtClean="0"/>
+              <a:t>подключено представление в БД </a:t>
+            </a:r>
+            <a:r>
+              <a:rPr lang="ru-RU" dirty="0" err="1" smtClean="0"/>
+              <a:t>биллинга</a:t>
+            </a:r>
+            <a:r>
+              <a:rPr lang="en-US" dirty="0" smtClean="0"/>
+              <a:t>) -&gt;</a:t>
             </a:r>
             <a:endParaRPr lang="ru-RU" dirty="0" smtClean="0"/>
           </a:p>
@@ -10454,38 +10517,130 @@
               <a:buSzPts val="1700"/>
               <a:buNone/>
             </a:pPr>
+            <a:endParaRPr lang="ru-RU" dirty="0"/>
+          </a:p>
+          <a:p>
+            <a:pPr marL="120650" lvl="0" indent="0" algn="l" rtl="0">
+              <a:lnSpc>
+                <a:spcPct val="100000"/>
+              </a:lnSpc>
+              <a:spcBef>
+                <a:spcPts val="0"/>
+              </a:spcBef>
+              <a:spcAft>
+                <a:spcPts val="0"/>
+              </a:spcAft>
+              <a:buSzPts val="1700"/>
+              <a:buNone/>
+            </a:pPr>
+            <a:r>
+              <a:rPr lang="en-US" dirty="0" smtClean="0"/>
+              <a:t> </a:t>
+            </a:r>
+            <a:r>
+              <a:rPr lang="ru-RU" dirty="0" smtClean="0"/>
+              <a:t>вставка данных в таблицу на движке </a:t>
+            </a:r>
+            <a:r>
+              <a:rPr lang="en-US" dirty="0" smtClean="0"/>
+              <a:t>Null -&gt; </a:t>
+            </a:r>
+            <a:endParaRPr lang="ru-RU" dirty="0" smtClean="0"/>
+          </a:p>
+          <a:p>
+            <a:pPr marL="120650" lvl="0" indent="0" algn="l" rtl="0">
+              <a:lnSpc>
+                <a:spcPct val="100000"/>
+              </a:lnSpc>
+              <a:spcBef>
+                <a:spcPts val="0"/>
+              </a:spcBef>
+              <a:spcAft>
+                <a:spcPts val="0"/>
+              </a:spcAft>
+              <a:buSzPts val="1700"/>
+              <a:buNone/>
+            </a:pPr>
+            <a:endParaRPr lang="ru-RU" dirty="0"/>
+          </a:p>
+          <a:p>
+            <a:pPr marL="120650" lvl="0" indent="0" algn="l" rtl="0">
+              <a:lnSpc>
+                <a:spcPct val="100000"/>
+              </a:lnSpc>
+              <a:spcBef>
+                <a:spcPts val="0"/>
+              </a:spcBef>
+              <a:spcAft>
+                <a:spcPts val="0"/>
+              </a:spcAft>
+              <a:buSzPts val="1700"/>
+              <a:buNone/>
+            </a:pPr>
+            <a:r>
+              <a:rPr lang="ru-RU" dirty="0" err="1"/>
+              <a:t>м</a:t>
+            </a:r>
+            <a:r>
+              <a:rPr lang="ru-RU" dirty="0" err="1" smtClean="0"/>
+              <a:t>атеризованное</a:t>
+            </a:r>
+            <a:r>
+              <a:rPr lang="ru-RU" dirty="0" smtClean="0"/>
+              <a:t> представление </a:t>
+            </a:r>
+            <a:r>
+              <a:rPr lang="en-US" dirty="0" smtClean="0"/>
+              <a:t>-&gt; </a:t>
+            </a:r>
+            <a:endParaRPr lang="ru-RU" dirty="0" smtClean="0"/>
+          </a:p>
+          <a:p>
+            <a:pPr marL="120650" lvl="0" indent="0" algn="l" rtl="0">
+              <a:lnSpc>
+                <a:spcPct val="100000"/>
+              </a:lnSpc>
+              <a:spcBef>
+                <a:spcPts val="0"/>
+              </a:spcBef>
+              <a:spcAft>
+                <a:spcPts val="0"/>
+              </a:spcAft>
+              <a:buSzPts val="1700"/>
+              <a:buNone/>
+            </a:pPr>
+            <a:endParaRPr lang="ru-RU" dirty="0"/>
+          </a:p>
+          <a:p>
+            <a:pPr marL="120650" lvl="0" indent="0" algn="l" rtl="0">
+              <a:lnSpc>
+                <a:spcPct val="100000"/>
+              </a:lnSpc>
+              <a:spcBef>
+                <a:spcPts val="0"/>
+              </a:spcBef>
+              <a:spcAft>
+                <a:spcPts val="0"/>
+              </a:spcAft>
+              <a:buSzPts val="1700"/>
+              <a:buNone/>
+            </a:pPr>
+            <a:r>
+              <a:rPr lang="ru-RU" dirty="0" smtClean="0"/>
+              <a:t>перекладывает данные (предварительно данные преобразуются) в таблицы на движках </a:t>
+            </a:r>
+            <a:r>
+              <a:rPr lang="en-US" dirty="0" err="1" smtClean="0"/>
+              <a:t>MergeTree</a:t>
+            </a:r>
             <a:endParaRPr dirty="0"/>
           </a:p>
         </p:txBody>
       </p:sp>
-      <p:pic>
-        <p:nvPicPr>
-          <p:cNvPr id="2" name="Рисунок 1"/>
-          <p:cNvPicPr>
-            <a:picLocks noChangeAspect="1"/>
-          </p:cNvPicPr>
-          <p:nvPr/>
-        </p:nvPicPr>
-        <p:blipFill>
-          <a:blip r:embed="rId3"/>
-          <a:stretch>
-            <a:fillRect/>
-          </a:stretch>
-        </p:blipFill>
-        <p:spPr>
-          <a:xfrm>
-            <a:off x="500550" y="2224404"/>
-            <a:ext cx="8520600" cy="3862442"/>
-          </a:xfrm>
-          <a:prstGeom prst="rect">
-            <a:avLst/>
-          </a:prstGeom>
-        </p:spPr>
-      </p:pic>
     </p:spTree>
     <p:extLst>
       <p:ext uri="{BB962C8B-B14F-4D97-AF65-F5344CB8AC3E}">
-        <p14:creationId xmlns:p14="http://schemas.microsoft.com/office/powerpoint/2010/main" val="1922679694"/>
+        <p14:creationId xmlns:p14="http://schemas.microsoft.com/office/powerpoint/2010/main" val="2603089899"/>
       </p:ext>
     </p:extLst>
   </p:cSld>
@@ -10559,7 +10714,11 @@
             </a:r>
             <a:r>
               <a:rPr lang="ru" dirty="0" smtClean="0"/>
-              <a:t>получилось (Мониторинг)</a:t>
+              <a:t>получилось (</a:t>
+            </a:r>
+            <a:r>
+              <a:rPr lang="en-US" dirty="0" smtClean="0"/>
+              <a:t>BI)</a:t>
             </a:r>
             <a:endParaRPr dirty="0"/>
           </a:p>
@@ -10578,7 +10737,7 @@
         <p:spPr>
           <a:xfrm>
             <a:off x="500550" y="1825750"/>
-            <a:ext cx="8364776" cy="1326753"/>
+            <a:ext cx="8520600" cy="551690"/>
           </a:xfrm>
           <a:prstGeom prst="rect">
             <a:avLst/>
@@ -10590,7 +10749,7 @@
           </a:bodyPr>
           <a:lstStyle/>
           <a:p>
-            <a:pPr marL="457200" lvl="0" indent="-336550" algn="just" rtl="0">
+            <a:pPr marL="120650" lvl="0" indent="0" algn="l" rtl="0">
               <a:lnSpc>
                 <a:spcPct val="100000"/>
               </a:lnSpc>
@@ -10601,82 +10760,31 @@
                 <a:spcPts val="0"/>
               </a:spcAft>
               <a:buSzPts val="1700"/>
-              <a:buAutoNum type="arabicPeriod"/>
+              <a:buNone/>
             </a:pPr>
             <a:r>
               <a:rPr lang="ru-RU" dirty="0" smtClean="0"/>
-              <a:t>Сбор метрик организован с двух серверов </a:t>
-            </a:r>
-            <a:r>
-              <a:rPr lang="en-US" dirty="0" err="1" smtClean="0"/>
-              <a:t>ClickHouse</a:t>
+              <a:t>Аналитическая отчетность перенесена в </a:t>
             </a:r>
             <a:r>
               <a:rPr lang="en-US" dirty="0" smtClean="0"/>
-              <a:t> (Node Exporter + Internal </a:t>
-            </a:r>
-            <a:r>
-              <a:rPr lang="en-US" dirty="0" err="1" smtClean="0"/>
-              <a:t>ClickHouse</a:t>
-            </a:r>
-            <a:r>
-              <a:rPr lang="en-US" dirty="0" smtClean="0"/>
-              <a:t> Exporter) </a:t>
-            </a:r>
-            <a:r>
-              <a:rPr lang="ru-RU" dirty="0" smtClean="0"/>
-              <a:t>средствами </a:t>
-            </a:r>
-            <a:r>
-              <a:rPr lang="en-US" dirty="0" smtClean="0"/>
-              <a:t>Prometheus</a:t>
-            </a:r>
-          </a:p>
-          <a:p>
-            <a:pPr lvl="0" algn="just">
-              <a:lnSpc>
-                <a:spcPct val="100000"/>
-              </a:lnSpc>
-              <a:spcBef>
-                <a:spcPts val="0"/>
-              </a:spcBef>
-              <a:buAutoNum type="arabicPeriod"/>
-            </a:pPr>
-            <a:r>
-              <a:rPr lang="ru-RU" dirty="0" smtClean="0"/>
-              <a:t>Сбор метрик организован с кластера </a:t>
-            </a:r>
-            <a:r>
-              <a:rPr lang="en-US" dirty="0" err="1" smtClean="0"/>
-              <a:t>ZooKeeper</a:t>
-            </a:r>
-            <a:r>
-              <a:rPr lang="en-US" dirty="0" smtClean="0"/>
-              <a:t> (</a:t>
-            </a:r>
-            <a:r>
-              <a:rPr lang="en-US" dirty="0"/>
-              <a:t>Node Exporter + Internal </a:t>
-            </a:r>
-            <a:r>
-              <a:rPr lang="en-US" dirty="0" err="1" smtClean="0"/>
-              <a:t>ZooKeeper</a:t>
-            </a:r>
-            <a:r>
-              <a:rPr lang="en-US" dirty="0" smtClean="0"/>
-              <a:t> Exporter)</a:t>
+              <a:t>BI Superset</a:t>
             </a:r>
             <a:endParaRPr lang="ru-RU" dirty="0" smtClean="0"/>
           </a:p>
           <a:p>
-            <a:pPr lvl="0" algn="just">
+            <a:pPr marL="120650" lvl="0" indent="0" algn="l" rtl="0">
               <a:lnSpc>
                 <a:spcPct val="100000"/>
               </a:lnSpc>
               <a:spcBef>
                 <a:spcPts val="0"/>
               </a:spcBef>
-              <a:buAutoNum type="arabicPeriod"/>
+              <a:spcAft>
+                <a:spcPts val="0"/>
+              </a:spcAft>
+              <a:buSzPts val="1700"/>
+              <a:buNone/>
             </a:pPr>
             <a:endParaRPr dirty="0"/>
           </a:p>
@@ -10684,27 +10792,22 @@
       </p:sp>
       <p:pic>
         <p:nvPicPr>
-          <p:cNvPr id="4" name="Рисунок 3"/>
+          <p:cNvPr id="2" name="Рисунок 1"/>
           <p:cNvPicPr>
             <a:picLocks noChangeAspect="1"/>
           </p:cNvPicPr>
           <p:nvPr/>
         </p:nvPicPr>
-        <p:blipFill rotWithShape="1">
-          <a:blip r:embed="rId3">
-            <a:extLst>
-              <a:ext uri="{28A0092B-C50C-407E-A947-70E740481C1C}">
-                <a14:useLocalDpi xmlns:a14="http://schemas.microsoft.com/office/drawing/2010/main" val="0"/>
-              </a:ext>
-            </a:extLst>
-          </a:blip>
-          <a:srcRect t="17651" b="58095"/>
-          <a:stretch/>
+        <p:blipFill>
+          <a:blip r:embed="rId3"/>
+          <a:stretch>
+            <a:fillRect/>
+          </a:stretch>
         </p:blipFill>
         <p:spPr>
           <a:xfrm>
-            <a:off x="584345" y="3231072"/>
-            <a:ext cx="8362754" cy="3195854"/>
+            <a:off x="500550" y="2224404"/>
+            <a:ext cx="8520600" cy="3862442"/>
           </a:xfrm>
           <a:prstGeom prst="rect">
             <a:avLst/>
@@ -10714,7 +10817,7 @@
     </p:spTree>
     <p:extLst>
       <p:ext uri="{BB962C8B-B14F-4D97-AF65-F5344CB8AC3E}">
-        <p14:creationId xmlns:p14="http://schemas.microsoft.com/office/powerpoint/2010/main" val="1563659929"/>
+        <p14:creationId xmlns:p14="http://schemas.microsoft.com/office/powerpoint/2010/main" val="1922679694"/>
       </p:ext>
     </p:extLst>
   </p:cSld>
@@ -10788,23 +10891,7 @@
             </a:r>
             <a:r>
               <a:rPr lang="ru" dirty="0" smtClean="0"/>
-              <a:t>получилось</a:t>
-            </a:r>
-            <a:r>
-              <a:rPr lang="en-US" dirty="0" smtClean="0"/>
-              <a:t> (</a:t>
-            </a:r>
-            <a:r>
-              <a:rPr lang="ru-RU" dirty="0" smtClean="0"/>
-              <a:t>ссылка на </a:t>
-            </a:r>
-            <a:r>
-              <a:rPr lang="ru-RU" dirty="0" err="1" smtClean="0"/>
-              <a:t>репозиторий</a:t>
-            </a:r>
-            <a:r>
-              <a:rPr lang="ru-RU" dirty="0" smtClean="0"/>
-              <a:t>)</a:t>
+              <a:t>получилось (Мониторинг)</a:t>
             </a:r>
             <a:endParaRPr dirty="0"/>
           </a:p>
@@ -10823,7 +10910,7 @@
         <p:spPr>
           <a:xfrm>
             <a:off x="500550" y="1825750"/>
-            <a:ext cx="8216730" cy="3486300"/>
+            <a:ext cx="8364776" cy="1326753"/>
           </a:xfrm>
           <a:prstGeom prst="rect">
             <a:avLst/>
@@ -10835,63 +10922,131 @@
           </a:bodyPr>
           <a:lstStyle/>
           <a:p>
-            <a:pPr lvl="0">
+            <a:pPr marL="457200" lvl="0" indent="-336550" algn="just" rtl="0">
               <a:lnSpc>
                 <a:spcPct val="100000"/>
               </a:lnSpc>
               <a:spcBef>
                 <a:spcPts val="0"/>
               </a:spcBef>
+              <a:spcAft>
+                <a:spcPts val="0"/>
+              </a:spcAft>
+              <a:buSzPts val="1700"/>
               <a:buAutoNum type="arabicPeriod"/>
             </a:pPr>
             <a:r>
-              <a:rPr lang="ru" dirty="0" smtClean="0"/>
-              <a:t>Ссылка </a:t>
+              <a:rPr lang="ru-RU" dirty="0" smtClean="0"/>
+              <a:t>Сбор метрик организован с двух серверов </a:t>
             </a:r>
             <a:r>
-              <a:rPr lang="ru" dirty="0"/>
-              <a:t>на репозиторий с исходными </a:t>
+              <a:rPr lang="en-US" dirty="0" err="1" smtClean="0"/>
+              <a:t>ClickHouse</a:t>
             </a:r>
             <a:r>
-              <a:rPr lang="ru" dirty="0" smtClean="0"/>
-              <a:t>кодами</a:t>
+              <a:rPr lang="en-US" dirty="0" smtClean="0"/>
+              <a:t> (Node Exporter + Internal </a:t>
+            </a:r>
+            <a:r>
+              <a:rPr lang="en-US" dirty="0" err="1" smtClean="0"/>
+              <a:t>ClickHouse</a:t>
+            </a:r>
+            <a:r>
+              <a:rPr lang="en-US" dirty="0" smtClean="0"/>
+              <a:t> Exporter) </a:t>
+            </a:r>
+            <a:r>
+              <a:rPr lang="ru-RU" dirty="0" smtClean="0"/>
+              <a:t>средствами </a:t>
+            </a:r>
+            <a:r>
+              <a:rPr lang="en-US" dirty="0" smtClean="0"/>
+              <a:t>Prometheus</a:t>
+            </a:r>
+          </a:p>
+          <a:p>
+            <a:pPr lvl="0" algn="just">
+              <a:lnSpc>
+                <a:spcPct val="100000"/>
+              </a:lnSpc>
+              <a:spcBef>
+                <a:spcPts val="0"/>
+              </a:spcBef>
+              <a:buAutoNum type="arabicPeriod"/>
+            </a:pPr>
+            <a:r>
+              <a:rPr lang="ru-RU" dirty="0" smtClean="0"/>
+              <a:t>Сбор метрик организован с кластера </a:t>
+            </a:r>
+            <a:r>
+              <a:rPr lang="en-US" dirty="0" err="1" smtClean="0"/>
+              <a:t>ZooKeeper</a:t>
+            </a:r>
+            <a:r>
+              <a:rPr lang="en-US" dirty="0" smtClean="0"/>
+              <a:t> (</a:t>
             </a:r>
             <a:r>
               <a:rPr lang="en-US" dirty="0"/>
-              <a:t> </a:t>
+              <a:t>Node Exporter + Internal </a:t>
             </a:r>
             <a:r>
-              <a:rPr lang="en-US" dirty="0">
-                <a:hlinkClick r:id="rId3"/>
-              </a:rPr>
-              <a:t>https://</a:t>
+              <a:rPr lang="en-US" dirty="0" err="1" smtClean="0"/>
+              <a:t>ZooKeeper</a:t>
             </a:r>
             <a:r>
-              <a:rPr lang="en-US" dirty="0" smtClean="0">
-                <a:hlinkClick r:id="rId3"/>
-              </a:rPr>
-              <a:t>github.com/anton20044/ClickHouse_Final_Project</a:t>
+              <a:rPr lang="en-US" dirty="0" smtClean="0"/>
+              <a:t> Exporter)</a:t>
             </a:r>
-            <a:endParaRPr lang="en-US" dirty="0" smtClean="0"/>
+            <a:endParaRPr lang="ru-RU" dirty="0" smtClean="0"/>
           </a:p>
           <a:p>
-            <a:pPr marL="120650" lvl="0" indent="0">
+            <a:pPr lvl="0" algn="just">
               <a:lnSpc>
                 <a:spcPct val="100000"/>
               </a:lnSpc>
               <a:spcBef>
                 <a:spcPts val="0"/>
               </a:spcBef>
-              <a:buNone/>
+              <a:buAutoNum type="arabicPeriod"/>
             </a:pPr>
             <a:endParaRPr dirty="0"/>
           </a:p>
         </p:txBody>
       </p:sp>
+      <p:pic>
+        <p:nvPicPr>
+          <p:cNvPr id="4" name="Рисунок 3"/>
+          <p:cNvPicPr>
+            <a:picLocks noChangeAspect="1"/>
+          </p:cNvPicPr>
+          <p:nvPr/>
+        </p:nvPicPr>
+        <p:blipFill rotWithShape="1">
+          <a:blip r:embed="rId3">
+            <a:extLst>
+              <a:ext uri="{28A0092B-C50C-407E-A947-70E740481C1C}">
+                <a14:useLocalDpi xmlns:a14="http://schemas.microsoft.com/office/drawing/2010/main" val="0"/>
+              </a:ext>
+            </a:extLst>
+          </a:blip>
+          <a:srcRect t="17651" b="58095"/>
+          <a:stretch/>
+        </p:blipFill>
+        <p:spPr>
+          <a:xfrm>
+            <a:off x="584345" y="3231072"/>
+            <a:ext cx="8362754" cy="3195854"/>
+          </a:xfrm>
+          <a:prstGeom prst="rect">
+            <a:avLst/>
+          </a:prstGeom>
+        </p:spPr>
+      </p:pic>
     </p:spTree>
     <p:extLst>
       <p:ext uri="{BB962C8B-B14F-4D97-AF65-F5344CB8AC3E}">
-        <p14:creationId xmlns:p14="http://schemas.microsoft.com/office/powerpoint/2010/main" val="423018581"/>
+        <p14:creationId xmlns:p14="http://schemas.microsoft.com/office/powerpoint/2010/main" val="1563659929"/>
       </p:ext>
     </p:extLst>
   </p:cSld>
@@ -10960,8 +11115,28 @@
               <a:buNone/>
             </a:pPr>
             <a:r>
+              <a:rPr lang="ru" dirty="0"/>
+              <a:t>Что </a:t>
+            </a:r>
+            <a:r>
               <a:rPr lang="ru" dirty="0" smtClean="0"/>
-              <a:t>Биллинговая система (источник данных)</a:t>
+              <a:t>получилось</a:t>
+            </a:r>
+            <a:r>
+              <a:rPr lang="en-US" dirty="0" smtClean="0"/>
+              <a:t> (</a:t>
+            </a:r>
+            <a:r>
+              <a:rPr lang="ru-RU" dirty="0" smtClean="0"/>
+              <a:t>ссылка на </a:t>
+            </a:r>
+            <a:r>
+              <a:rPr lang="ru-RU" dirty="0" err="1" smtClean="0"/>
+              <a:t>репозиторий</a:t>
+            </a:r>
+            <a:r>
+              <a:rPr lang="ru-RU" dirty="0" smtClean="0"/>
+              <a:t>)</a:t>
             </a:r>
             <a:endParaRPr dirty="0"/>
           </a:p>
@@ -10979,8 +11154,8 @@
         </p:nvSpPr>
         <p:spPr>
           <a:xfrm>
-            <a:off x="500549" y="1825750"/>
-            <a:ext cx="8321233" cy="3486300"/>
+            <a:off x="500550" y="1825750"/>
+            <a:ext cx="8216730" cy="3486300"/>
           </a:xfrm>
           <a:prstGeom prst="rect">
             <a:avLst/>
@@ -10992,113 +11167,53 @@
           </a:bodyPr>
           <a:lstStyle/>
           <a:p>
-            <a:pPr marL="120650" indent="0">
+            <a:pPr lvl="0">
               <a:lnSpc>
                 <a:spcPct val="100000"/>
               </a:lnSpc>
               <a:spcBef>
                 <a:spcPts val="0"/>
               </a:spcBef>
-              <a:buNone/>
+              <a:buAutoNum type="arabicPeriod"/>
             </a:pPr>
             <a:r>
-              <a:rPr lang="ru-RU" dirty="0" smtClean="0"/>
-              <a:t>Источником данных является ПО «</a:t>
+              <a:rPr lang="ru" dirty="0" smtClean="0"/>
+              <a:t>Ссылка </a:t>
             </a:r>
             <a:r>
-              <a:rPr lang="ru-RU" dirty="0"/>
-              <a:t>Автоматизированный программный комплекс «Русский </a:t>
+              <a:rPr lang="ru" dirty="0"/>
+              <a:t>на репозиторий с исходными </a:t>
             </a:r>
             <a:r>
-              <a:rPr lang="ru-RU" dirty="0" err="1"/>
-              <a:t>биллинг</a:t>
+              <a:rPr lang="ru" dirty="0" smtClean="0"/>
+              <a:t>кодами</a:t>
             </a:r>
             <a:r>
-              <a:rPr lang="ru-RU" dirty="0" smtClean="0"/>
-              <a:t>»»</a:t>
+              <a:rPr lang="en-US" dirty="0"/>
+              <a:t> </a:t>
             </a:r>
-            <a:endParaRPr lang="ru-RU" dirty="0"/>
+            <a:r>
+              <a:rPr lang="en-US" dirty="0">
+                <a:hlinkClick r:id="rId3"/>
+              </a:rPr>
+              <a:t>https://</a:t>
+            </a:r>
+            <a:r>
+              <a:rPr lang="en-US" dirty="0" smtClean="0">
+                <a:hlinkClick r:id="rId3"/>
+              </a:rPr>
+              <a:t>github.com/anton20044/ClickHouse_Final_Project</a:t>
+            </a:r>
+            <a:endParaRPr lang="en-US" dirty="0" smtClean="0"/>
           </a:p>
           <a:p>
-            <a:pPr marL="120650" lvl="0" indent="0" algn="l" rtl="0">
+            <a:pPr marL="120650" lvl="0" indent="0">
               <a:lnSpc>
                 <a:spcPct val="100000"/>
               </a:lnSpc>
               <a:spcBef>
                 <a:spcPts val="0"/>
               </a:spcBef>
-              <a:spcAft>
-                <a:spcPts val="0"/>
-              </a:spcAft>
-              <a:buSzPts val="1700"/>
-              <a:buNone/>
-            </a:pPr>
-            <a:endParaRPr lang="ru-RU" dirty="0" smtClean="0"/>
-          </a:p>
-          <a:p>
-            <a:pPr marL="120650" indent="0">
-              <a:lnSpc>
-                <a:spcPct val="100000"/>
-              </a:lnSpc>
-              <a:spcBef>
-                <a:spcPts val="0"/>
-              </a:spcBef>
-              <a:buNone/>
-            </a:pPr>
-            <a:r>
-              <a:rPr lang="ru-RU" dirty="0" smtClean="0"/>
-              <a:t>Автоматизация </a:t>
-            </a:r>
-            <a:r>
-              <a:rPr lang="ru-RU" dirty="0"/>
-              <a:t>расчетов за коммунальные услуги (газ, электроэнергию, водоснабжение и др.) с возможностью расчета как по всем ресурсам одновременно, так и по каждому в отдельности.</a:t>
-            </a:r>
-          </a:p>
-          <a:p>
-            <a:pPr marL="120650" lvl="0" indent="0" algn="l" rtl="0">
-              <a:lnSpc>
-                <a:spcPct val="100000"/>
-              </a:lnSpc>
-              <a:spcBef>
-                <a:spcPts val="0"/>
-              </a:spcBef>
-              <a:spcAft>
-                <a:spcPts val="0"/>
-              </a:spcAft>
-              <a:buSzPts val="1700"/>
-              <a:buNone/>
-            </a:pPr>
-            <a:endParaRPr lang="ru-RU" dirty="0" smtClean="0"/>
-          </a:p>
-          <a:p>
-            <a:pPr marL="120650" lvl="0" indent="0" algn="l" rtl="0">
-              <a:lnSpc>
-                <a:spcPct val="100000"/>
-              </a:lnSpc>
-              <a:spcBef>
-                <a:spcPts val="0"/>
-              </a:spcBef>
-              <a:spcAft>
-                <a:spcPts val="0"/>
-              </a:spcAft>
-              <a:buSzPts val="1700"/>
-              <a:buNone/>
-            </a:pPr>
-            <a:r>
-              <a:rPr lang="ru-RU" dirty="0" err="1" smtClean="0"/>
-              <a:t>Вендор</a:t>
-            </a:r>
-            <a:r>
-              <a:rPr lang="ru-RU" dirty="0" smtClean="0"/>
-              <a:t>: АО </a:t>
-            </a:r>
-            <a:r>
-              <a:rPr lang="ru-RU" dirty="0"/>
-              <a:t>"АЙСИЭЛ-КПО ВС"</a:t>
-            </a:r>
-          </a:p>
-          <a:p>
-            <a:pPr marL="120650" indent="0">
               <a:buNone/>
             </a:pPr>
             <a:endParaRPr dirty="0"/>
@@ -11108,7 +11223,7 @@
     </p:spTree>
     <p:extLst>
       <p:ext uri="{BB962C8B-B14F-4D97-AF65-F5344CB8AC3E}">
-        <p14:creationId xmlns:p14="http://schemas.microsoft.com/office/powerpoint/2010/main" val="95908008"/>
+        <p14:creationId xmlns:p14="http://schemas.microsoft.com/office/powerpoint/2010/main" val="423018581"/>
       </p:ext>
     </p:extLst>
   </p:cSld>
@@ -17146,24 +17261,8 @@
               <a:buNone/>
             </a:pPr>
             <a:r>
-              <a:rPr lang="ru" dirty="0"/>
-              <a:t>Что </a:t>
-            </a:r>
-            <a:r>
               <a:rPr lang="ru" dirty="0" smtClean="0"/>
-              <a:t>получилось </a:t>
-            </a:r>
-            <a:r>
-              <a:rPr lang="en-US" dirty="0" smtClean="0"/>
-              <a:t>(ETL </a:t>
-            </a:r>
-            <a:r>
-              <a:rPr lang="ru-RU" dirty="0" smtClean="0"/>
-              <a:t>процесс</a:t>
-            </a:r>
-            <a:r>
-              <a:rPr lang="en-US" dirty="0" smtClean="0"/>
-              <a:t>)</a:t>
+              <a:t>Биллинговая система (источник данных)</a:t>
             </a:r>
             <a:endParaRPr dirty="0"/>
           </a:p>
@@ -17181,8 +17280,8 @@
         </p:nvSpPr>
         <p:spPr>
           <a:xfrm>
-            <a:off x="500550" y="1825750"/>
-            <a:ext cx="8425736" cy="3486300"/>
+            <a:off x="500549" y="1825750"/>
+            <a:ext cx="8321233" cy="3486300"/>
           </a:xfrm>
           <a:prstGeom prst="rect">
             <a:avLst/>
@@ -17194,30 +17293,66 @@
           </a:bodyPr>
           <a:lstStyle/>
           <a:p>
-            <a:pPr marL="120650" lvl="0" indent="0" algn="l" rtl="0">
+            <a:pPr marL="120650" indent="0">
               <a:lnSpc>
                 <a:spcPct val="100000"/>
               </a:lnSpc>
               <a:spcBef>
                 <a:spcPts val="0"/>
               </a:spcBef>
-              <a:spcAft>
-                <a:spcPts val="0"/>
-              </a:spcAft>
-              <a:buSzPts val="1700"/>
               <a:buNone/>
             </a:pPr>
             <a:r>
               <a:rPr lang="ru-RU" dirty="0" smtClean="0"/>
-              <a:t>Общее описание </a:t>
+              <a:t>Источником данных является ПО «</a:t>
             </a:r>
             <a:r>
-              <a:rPr lang="en-US" dirty="0" smtClean="0"/>
-              <a:t>ETL </a:t>
+              <a:rPr lang="ru-RU" dirty="0"/>
+              <a:t>Автоматизированный программный комплекс «Русский </a:t>
+            </a:r>
+            <a:r>
+              <a:rPr lang="ru-RU" dirty="0" err="1"/>
+              <a:t>биллинг</a:t>
             </a:r>
             <a:r>
               <a:rPr lang="ru-RU" dirty="0" smtClean="0"/>
-              <a:t>процесса:</a:t>
+              <a:t>»»</a:t>
+            </a:r>
+            <a:endParaRPr lang="ru-RU" dirty="0"/>
+          </a:p>
+          <a:p>
+            <a:pPr marL="120650" lvl="0" indent="0" algn="l" rtl="0">
+              <a:lnSpc>
+                <a:spcPct val="100000"/>
+              </a:lnSpc>
+              <a:spcBef>
+                <a:spcPts val="0"/>
+              </a:spcBef>
+              <a:spcAft>
+                <a:spcPts val="0"/>
+              </a:spcAft>
+              <a:buSzPts val="1700"/>
+              <a:buNone/>
+            </a:pPr>
+            <a:endParaRPr lang="ru-RU" dirty="0" smtClean="0"/>
+          </a:p>
+          <a:p>
+            <a:pPr marL="120650" indent="0">
+              <a:lnSpc>
+                <a:spcPct val="100000"/>
+              </a:lnSpc>
+              <a:spcBef>
+                <a:spcPts val="0"/>
+              </a:spcBef>
+              <a:buNone/>
+            </a:pPr>
+            <a:r>
+              <a:rPr lang="ru-RU" dirty="0" smtClean="0"/>
+              <a:t>Автоматизация </a:t>
+            </a:r>
+            <a:r>
+              <a:rPr lang="ru-RU" dirty="0"/>
+              <a:t>расчетов за коммунальные услуги (газ, электроэнергию, водоснабжение и др.) с возможностью расчета как по всем ресурсам одновременно, так и по каждому в отдельности.</a:t>
             </a:r>
           </a:p>
           <a:p>
@@ -17251,157 +17386,22 @@
               <a:buNone/>
             </a:pPr>
             <a:r>
-              <a:rPr lang="ru-RU" dirty="0" smtClean="0"/>
-              <a:t>Таблица на движке </a:t>
-            </a:r>
-            <a:r>
-              <a:rPr lang="en-US" dirty="0" smtClean="0"/>
-              <a:t>PostgreSQL (</a:t>
+              <a:rPr lang="ru-RU" dirty="0" err="1" smtClean="0"/>
+              <a:t>Вендор</a:t>
             </a:r>
             <a:r>
               <a:rPr lang="ru-RU" dirty="0" smtClean="0"/>
-              <a:t>подключено представление в БД </a:t>
+              <a:t>: АО </a:t>
             </a:r>
             <a:r>
-              <a:rPr lang="ru-RU" dirty="0" err="1" smtClean="0"/>
-              <a:t>биллинга</a:t>
+              <a:rPr lang="ru-RU" dirty="0"/>
+              <a:t>"АЙСИЭЛ-КПО ВС"</a:t>
             </a:r>
-            <a:r>
-              <a:rPr lang="en-US" dirty="0" smtClean="0"/>
-              <a:t>) -&gt;</a:t>
-            </a:r>
-            <a:endParaRPr lang="ru-RU" dirty="0" smtClean="0"/>
           </a:p>
           <a:p>
-            <a:pPr marL="120650" lvl="0" indent="0" algn="l" rtl="0">
-              <a:lnSpc>
-                <a:spcPct val="100000"/>
-              </a:lnSpc>
-              <a:spcBef>
-                <a:spcPts val="0"/>
-              </a:spcBef>
-              <a:spcAft>
-                <a:spcPts val="0"/>
-              </a:spcAft>
-              <a:buSzPts val="1700"/>
+            <a:pPr marL="120650" indent="0">
               <a:buNone/>
             </a:pPr>
-            <a:endParaRPr lang="ru-RU" dirty="0"/>
-          </a:p>
-          <a:p>
-            <a:pPr marL="120650" lvl="0" indent="0" algn="l" rtl="0">
-              <a:lnSpc>
-                <a:spcPct val="100000"/>
-              </a:lnSpc>
-              <a:spcBef>
-                <a:spcPts val="0"/>
-              </a:spcBef>
-              <a:spcAft>
-                <a:spcPts val="0"/>
-              </a:spcAft>
-              <a:buSzPts val="1700"/>
-              <a:buNone/>
-            </a:pPr>
-            <a:r>
-              <a:rPr lang="en-US" dirty="0" smtClean="0"/>
-              <a:t> </a:t>
-            </a:r>
-            <a:r>
-              <a:rPr lang="ru-RU" dirty="0" smtClean="0"/>
-              <a:t>вставка данных в таблицу на движке </a:t>
-            </a:r>
-            <a:r>
-              <a:rPr lang="en-US" dirty="0" smtClean="0"/>
-              <a:t>Null -&gt; </a:t>
-            </a:r>
-            <a:endParaRPr lang="ru-RU" dirty="0" smtClean="0"/>
-          </a:p>
-          <a:p>
-            <a:pPr marL="120650" lvl="0" indent="0" algn="l" rtl="0">
-              <a:lnSpc>
-                <a:spcPct val="100000"/>
-              </a:lnSpc>
-              <a:spcBef>
-                <a:spcPts val="0"/>
-              </a:spcBef>
-              <a:spcAft>
-                <a:spcPts val="0"/>
-              </a:spcAft>
-              <a:buSzPts val="1700"/>
-              <a:buNone/>
-            </a:pPr>
-            <a:endParaRPr lang="ru-RU" dirty="0"/>
-          </a:p>
-          <a:p>
-            <a:pPr marL="120650" lvl="0" indent="0" algn="l" rtl="0">
-              <a:lnSpc>
-                <a:spcPct val="100000"/>
-              </a:lnSpc>
-              <a:spcBef>
-                <a:spcPts val="0"/>
-              </a:spcBef>
-              <a:spcAft>
-                <a:spcPts val="0"/>
-              </a:spcAft>
-              <a:buSzPts val="1700"/>
-              <a:buNone/>
-            </a:pPr>
-            <a:r>
-              <a:rPr lang="ru-RU" dirty="0" err="1"/>
-              <a:t>м</a:t>
-            </a:r>
-            <a:r>
-              <a:rPr lang="ru-RU" dirty="0" err="1" smtClean="0"/>
-              <a:t>атеризованное</a:t>
-            </a:r>
-            <a:r>
-              <a:rPr lang="ru-RU" dirty="0" smtClean="0"/>
-              <a:t> представление </a:t>
-            </a:r>
-            <a:r>
-              <a:rPr lang="en-US" dirty="0" smtClean="0"/>
-              <a:t>-&gt; </a:t>
-            </a:r>
-            <a:endParaRPr lang="ru-RU" dirty="0" smtClean="0"/>
-          </a:p>
-          <a:p>
-            <a:pPr marL="120650" lvl="0" indent="0" algn="l" rtl="0">
-              <a:lnSpc>
-                <a:spcPct val="100000"/>
-              </a:lnSpc>
-              <a:spcBef>
-                <a:spcPts val="0"/>
-              </a:spcBef>
-              <a:spcAft>
-                <a:spcPts val="0"/>
-              </a:spcAft>
-              <a:buSzPts val="1700"/>
-              <a:buNone/>
-            </a:pPr>
-            <a:endParaRPr lang="ru-RU" dirty="0"/>
-          </a:p>
-          <a:p>
-            <a:pPr marL="120650" lvl="0" indent="0" algn="l" rtl="0">
-              <a:lnSpc>
-                <a:spcPct val="100000"/>
-              </a:lnSpc>
-              <a:spcBef>
-                <a:spcPts val="0"/>
-              </a:spcBef>
-              <a:spcAft>
-                <a:spcPts val="0"/>
-              </a:spcAft>
-              <a:buSzPts val="1700"/>
-              <a:buNone/>
-            </a:pPr>
-            <a:r>
-              <a:rPr lang="ru-RU" dirty="0" smtClean="0"/>
-              <a:t>перекладывает данные (предварительно данные преобразуются) в таблицы на движках </a:t>
-            </a:r>
-            <a:r>
-              <a:rPr lang="en-US" dirty="0" err="1" smtClean="0"/>
-              <a:t>MergeTree</a:t>
-            </a:r>
             <a:endParaRPr dirty="0"/>
           </a:p>
         </p:txBody>
@@ -17409,7 +17409,7 @@
     </p:spTree>
     <p:extLst>
       <p:ext uri="{BB962C8B-B14F-4D97-AF65-F5344CB8AC3E}">
-        <p14:creationId xmlns:p14="http://schemas.microsoft.com/office/powerpoint/2010/main" val="2603089899"/>
+        <p14:creationId xmlns:p14="http://schemas.microsoft.com/office/powerpoint/2010/main" val="95908008"/>
       </p:ext>
     </p:extLst>
   </p:cSld>

--- a/Презентация.pptx
+++ b/Презентация.pptx
@@ -10578,16 +10578,16 @@
               <a:buNone/>
             </a:pPr>
             <a:r>
-              <a:rPr lang="ru-RU" dirty="0" err="1"/>
-              <a:t>м</a:t>
-            </a:r>
-            <a:r>
               <a:rPr lang="ru-RU" dirty="0" err="1" smtClean="0"/>
-              <a:t>атеризованное</a:t>
+              <a:t>матераизованное</a:t>
             </a:r>
             <a:r>
               <a:rPr lang="ru-RU" dirty="0" smtClean="0"/>
-              <a:t> представление </a:t>
+              <a:t> </a:t>
+            </a:r>
+            <a:r>
+              <a:rPr lang="ru-RU" dirty="0" smtClean="0"/>
+              <a:t>представление </a:t>
             </a:r>
             <a:r>
               <a:rPr lang="en-US" dirty="0" smtClean="0"/>
@@ -14538,14 +14538,14 @@
           <p:nvPr>
             <p:extLst>
               <p:ext uri="{D42A27DB-BD31-4B8C-83A1-F6EECF244321}">
-                <p14:modId xmlns:p14="http://schemas.microsoft.com/office/powerpoint/2010/main" val="3075205240"/>
+                <p14:modId xmlns:p14="http://schemas.microsoft.com/office/powerpoint/2010/main" val="3660375608"/>
               </p:ext>
             </p:extLst>
           </p:nvPr>
         </p:nvGraphicFramePr>
         <p:xfrm>
           <a:off x="952500" y="2058925"/>
-          <a:ext cx="7239000" cy="1259526"/>
+          <a:ext cx="7239000" cy="1239016"/>
         </p:xfrm>
         <a:graphic>
           <a:graphicData uri="http://schemas.openxmlformats.org/drawingml/2006/table">
@@ -14865,7 +14865,25 @@
                           <a:cs typeface="Roboto"/>
                           <a:sym typeface="Roboto"/>
                         </a:rPr>
-                        <a:t>Организовать отобрежение данных</a:t>
+                        <a:t>Организовать </a:t>
+                      </a:r>
+                      <a:r>
+                        <a:rPr lang="ru" sz="1700" dirty="0" smtClean="0">
+                          <a:latin typeface="Roboto"/>
+                          <a:ea typeface="Roboto"/>
+                          <a:cs typeface="Roboto"/>
+                          <a:sym typeface="Roboto"/>
+                        </a:rPr>
+                        <a:t>отображение </a:t>
+                      </a:r>
+                      <a:r>
+                        <a:rPr lang="ru" sz="1700" dirty="0" smtClean="0">
+                          <a:latin typeface="Roboto"/>
+                          <a:ea typeface="Roboto"/>
+                          <a:cs typeface="Roboto"/>
+                          <a:sym typeface="Roboto"/>
+                        </a:rPr>
+                        <a:t>данных</a:t>
                       </a:r>
                       <a:r>
                         <a:rPr lang="ru" sz="1700" baseline="0" dirty="0" smtClean="0">
@@ -15045,7 +15063,7 @@
         </p:nvGraphicFramePr>
         <p:xfrm>
           <a:off x="952500" y="2058925"/>
-          <a:ext cx="7239000" cy="3926722"/>
+          <a:ext cx="7239000" cy="4008762"/>
         </p:xfrm>
         <a:graphic>
           <a:graphicData uri="http://schemas.openxmlformats.org/drawingml/2006/table">

--- a/Презентация.pptx
+++ b/Презентация.pptx
@@ -5,7 +5,7 @@
     <p:sldMasterId id="2147483675" r:id="rId1"/>
   </p:sldMasterIdLst>
   <p:notesMasterIdLst>
-    <p:notesMasterId r:id="rId20"/>
+    <p:notesMasterId r:id="rId22"/>
   </p:notesMasterIdLst>
   <p:sldIdLst>
     <p:sldId id="256" r:id="rId2"/>
@@ -17,25 +17,27 @@
     <p:sldId id="262" r:id="rId8"/>
     <p:sldId id="263" r:id="rId9"/>
     <p:sldId id="275" r:id="rId10"/>
-    <p:sldId id="278" r:id="rId11"/>
-    <p:sldId id="280" r:id="rId12"/>
-    <p:sldId id="281" r:id="rId13"/>
-    <p:sldId id="279" r:id="rId14"/>
-    <p:sldId id="264" r:id="rId15"/>
-    <p:sldId id="276" r:id="rId16"/>
-    <p:sldId id="277" r:id="rId17"/>
-    <p:sldId id="265" r:id="rId18"/>
-    <p:sldId id="266" r:id="rId19"/>
+    <p:sldId id="282" r:id="rId11"/>
+    <p:sldId id="283" r:id="rId12"/>
+    <p:sldId id="278" r:id="rId13"/>
+    <p:sldId id="280" r:id="rId14"/>
+    <p:sldId id="281" r:id="rId15"/>
+    <p:sldId id="279" r:id="rId16"/>
+    <p:sldId id="264" r:id="rId17"/>
+    <p:sldId id="276" r:id="rId18"/>
+    <p:sldId id="277" r:id="rId19"/>
+    <p:sldId id="265" r:id="rId20"/>
+    <p:sldId id="266" r:id="rId21"/>
   </p:sldIdLst>
   <p:sldSz cx="9144000" cy="6858000" type="screen4x3"/>
   <p:notesSz cx="6858000" cy="9144000"/>
   <p:embeddedFontLst>
     <p:embeddedFont>
       <p:font typeface="Roboto" panose="020B0604020202020204" charset="0"/>
-      <p:regular r:id="rId21"/>
-      <p:bold r:id="rId22"/>
-      <p:italic r:id="rId23"/>
-      <p:boldItalic r:id="rId24"/>
+      <p:regular r:id="rId23"/>
+      <p:bold r:id="rId24"/>
+      <p:italic r:id="rId25"/>
+      <p:boldItalic r:id="rId26"/>
     </p:embeddedFont>
   </p:embeddedFontLst>
   <p:defaultTextStyle>
@@ -962,7 +964,7 @@
     </p:spTree>
     <p:extLst>
       <p:ext uri="{BB962C8B-B14F-4D97-AF65-F5344CB8AC3E}">
-        <p14:creationId xmlns:p14="http://schemas.microsoft.com/office/powerpoint/2010/main" val="883923390"/>
+        <p14:creationId xmlns:p14="http://schemas.microsoft.com/office/powerpoint/2010/main" val="2713408173"/>
       </p:ext>
     </p:extLst>
   </p:cSld>
@@ -1071,7 +1073,7 @@
     </p:spTree>
     <p:extLst>
       <p:ext uri="{BB962C8B-B14F-4D97-AF65-F5344CB8AC3E}">
-        <p14:creationId xmlns:p14="http://schemas.microsoft.com/office/powerpoint/2010/main" val="2612678761"/>
+        <p14:creationId xmlns:p14="http://schemas.microsoft.com/office/powerpoint/2010/main" val="3329357596"/>
       </p:ext>
     </p:extLst>
   </p:cSld>
@@ -1180,7 +1182,7 @@
     </p:spTree>
     <p:extLst>
       <p:ext uri="{BB962C8B-B14F-4D97-AF65-F5344CB8AC3E}">
-        <p14:creationId xmlns:p14="http://schemas.microsoft.com/office/powerpoint/2010/main" val="1402601311"/>
+        <p14:creationId xmlns:p14="http://schemas.microsoft.com/office/powerpoint/2010/main" val="883923390"/>
       </p:ext>
     </p:extLst>
   </p:cSld>
@@ -1289,7 +1291,7 @@
     </p:spTree>
     <p:extLst>
       <p:ext uri="{BB962C8B-B14F-4D97-AF65-F5344CB8AC3E}">
-        <p14:creationId xmlns:p14="http://schemas.microsoft.com/office/powerpoint/2010/main" val="2979231204"/>
+        <p14:creationId xmlns:p14="http://schemas.microsoft.com/office/powerpoint/2010/main" val="2612678761"/>
       </p:ext>
     </p:extLst>
   </p:cSld>
@@ -1304,7 +1306,7 @@
   <p:cSld>
     <p:spTree>
       <p:nvGrpSpPr>
-        <p:cNvPr id="1" name="Shape 191"/>
+        <p:cNvPr id="1" name="Shape 184"/>
         <p:cNvGrpSpPr/>
         <p:nvPr/>
       </p:nvGrpSpPr>
@@ -1318,7 +1320,7 @@
       </p:grpSpPr>
       <p:sp>
         <p:nvSpPr>
-          <p:cNvPr id="192" name="Google Shape;192;ge8d46ed6bd_0_162:notes"/>
+          <p:cNvPr id="185" name="Google Shape;185;ge8d46ed6bd_0_94:notes"/>
           <p:cNvSpPr>
             <a:spLocks noGrp="1" noRot="1" noChangeAspect="1"/>
           </p:cNvSpPr>
@@ -1359,7 +1361,7 @@
       </p:sp>
       <p:sp>
         <p:nvSpPr>
-          <p:cNvPr id="193" name="Google Shape;193;ge8d46ed6bd_0_162:notes"/>
+          <p:cNvPr id="186" name="Google Shape;186;ge8d46ed6bd_0_94:notes"/>
           <p:cNvSpPr txBox="1">
             <a:spLocks noGrp="1"/>
           </p:cNvSpPr>
@@ -1398,7 +1400,7 @@
     </p:spTree>
     <p:extLst>
       <p:ext uri="{BB962C8B-B14F-4D97-AF65-F5344CB8AC3E}">
-        <p14:creationId xmlns:p14="http://schemas.microsoft.com/office/powerpoint/2010/main" val="1129908320"/>
+        <p14:creationId xmlns:p14="http://schemas.microsoft.com/office/powerpoint/2010/main" val="1402601311"/>
       </p:ext>
     </p:extLst>
   </p:cSld>
@@ -1413,7 +1415,7 @@
   <p:cSld>
     <p:spTree>
       <p:nvGrpSpPr>
-        <p:cNvPr id="1" name="Shape 191"/>
+        <p:cNvPr id="1" name="Shape 184"/>
         <p:cNvGrpSpPr/>
         <p:nvPr/>
       </p:nvGrpSpPr>
@@ -1427,7 +1429,7 @@
       </p:grpSpPr>
       <p:sp>
         <p:nvSpPr>
-          <p:cNvPr id="192" name="Google Shape;192;ge8d46ed6bd_0_162:notes"/>
+          <p:cNvPr id="185" name="Google Shape;185;ge8d46ed6bd_0_94:notes"/>
           <p:cNvSpPr>
             <a:spLocks noGrp="1" noRot="1" noChangeAspect="1"/>
           </p:cNvSpPr>
@@ -1468,7 +1470,7 @@
       </p:sp>
       <p:sp>
         <p:nvSpPr>
-          <p:cNvPr id="193" name="Google Shape;193;ge8d46ed6bd_0_162:notes"/>
+          <p:cNvPr id="186" name="Google Shape;186;ge8d46ed6bd_0_94:notes"/>
           <p:cNvSpPr txBox="1">
             <a:spLocks noGrp="1"/>
           </p:cNvSpPr>
@@ -1507,7 +1509,7 @@
     </p:spTree>
     <p:extLst>
       <p:ext uri="{BB962C8B-B14F-4D97-AF65-F5344CB8AC3E}">
-        <p14:creationId xmlns:p14="http://schemas.microsoft.com/office/powerpoint/2010/main" val="2496725751"/>
+        <p14:creationId xmlns:p14="http://schemas.microsoft.com/office/powerpoint/2010/main" val="2979231204"/>
       </p:ext>
     </p:extLst>
   </p:cSld>
@@ -1616,6 +1618,224 @@
     </p:spTree>
     <p:extLst>
       <p:ext uri="{BB962C8B-B14F-4D97-AF65-F5344CB8AC3E}">
+        <p14:creationId xmlns:p14="http://schemas.microsoft.com/office/powerpoint/2010/main" val="1129908320"/>
+      </p:ext>
+    </p:extLst>
+  </p:cSld>
+  <p:clrMapOvr>
+    <a:masterClrMapping/>
+  </p:clrMapOvr>
+</p:notes>
+</file>
+
+<file path=ppt/notesSlides/notesSlide17.xml><?xml version="1.0" encoding="utf-8"?>
+<p:notes xmlns:a="http://schemas.openxmlformats.org/drawingml/2006/main" xmlns:r="http://schemas.openxmlformats.org/officeDocument/2006/relationships" xmlns:p="http://schemas.openxmlformats.org/presentationml/2006/main" showMasterSp="0" showMasterPhAnim="0">
+  <p:cSld>
+    <p:spTree>
+      <p:nvGrpSpPr>
+        <p:cNvPr id="1" name="Shape 191"/>
+        <p:cNvGrpSpPr/>
+        <p:nvPr/>
+      </p:nvGrpSpPr>
+      <p:grpSpPr>
+        <a:xfrm>
+          <a:off x="0" y="0"/>
+          <a:ext cx="0" cy="0"/>
+          <a:chOff x="0" y="0"/>
+          <a:chExt cx="0" cy="0"/>
+        </a:xfrm>
+      </p:grpSpPr>
+      <p:sp>
+        <p:nvSpPr>
+          <p:cNvPr id="192" name="Google Shape;192;ge8d46ed6bd_0_162:notes"/>
+          <p:cNvSpPr>
+            <a:spLocks noGrp="1" noRot="1" noChangeAspect="1"/>
+          </p:cNvSpPr>
+          <p:nvPr>
+            <p:ph type="sldImg" idx="2"/>
+          </p:nvPr>
+        </p:nvSpPr>
+        <p:spPr>
+          <a:xfrm>
+            <a:off x="1143000" y="685800"/>
+            <a:ext cx="4572000" cy="3429000"/>
+          </a:xfrm>
+          <a:custGeom>
+            <a:avLst/>
+            <a:gdLst/>
+            <a:ahLst/>
+            <a:cxnLst/>
+            <a:rect l="l" t="t" r="r" b="b"/>
+            <a:pathLst>
+              <a:path w="120000" h="120000" extrusionOk="0">
+                <a:moveTo>
+                  <a:pt x="0" y="0"/>
+                </a:moveTo>
+                <a:lnTo>
+                  <a:pt x="120000" y="0"/>
+                </a:lnTo>
+                <a:lnTo>
+                  <a:pt x="120000" y="120000"/>
+                </a:lnTo>
+                <a:lnTo>
+                  <a:pt x="0" y="120000"/>
+                </a:lnTo>
+                <a:close/>
+              </a:path>
+            </a:pathLst>
+          </a:custGeom>
+        </p:spPr>
+      </p:sp>
+      <p:sp>
+        <p:nvSpPr>
+          <p:cNvPr id="193" name="Google Shape;193;ge8d46ed6bd_0_162:notes"/>
+          <p:cNvSpPr txBox="1">
+            <a:spLocks noGrp="1"/>
+          </p:cNvSpPr>
+          <p:nvPr>
+            <p:ph type="body" idx="1"/>
+          </p:nvPr>
+        </p:nvSpPr>
+        <p:spPr>
+          <a:xfrm>
+            <a:off x="685800" y="4343400"/>
+            <a:ext cx="5486400" cy="4114800"/>
+          </a:xfrm>
+          <a:prstGeom prst="rect">
+            <a:avLst/>
+          </a:prstGeom>
+        </p:spPr>
+        <p:txBody>
+          <a:bodyPr spcFirstLastPara="1" wrap="square" lIns="91425" tIns="91425" rIns="91425" bIns="91425" anchor="t" anchorCtr="0">
+            <a:noAutofit/>
+          </a:bodyPr>
+          <a:lstStyle/>
+          <a:p>
+            <a:pPr marL="0" lvl="0" indent="0" algn="l" rtl="0">
+              <a:spcBef>
+                <a:spcPts val="0"/>
+              </a:spcBef>
+              <a:spcAft>
+                <a:spcPts val="0"/>
+              </a:spcAft>
+              <a:buNone/>
+            </a:pPr>
+            <a:endParaRPr/>
+          </a:p>
+        </p:txBody>
+      </p:sp>
+    </p:spTree>
+    <p:extLst>
+      <p:ext uri="{BB962C8B-B14F-4D97-AF65-F5344CB8AC3E}">
+        <p14:creationId xmlns:p14="http://schemas.microsoft.com/office/powerpoint/2010/main" val="2496725751"/>
+      </p:ext>
+    </p:extLst>
+  </p:cSld>
+  <p:clrMapOvr>
+    <a:masterClrMapping/>
+  </p:clrMapOvr>
+</p:notes>
+</file>
+
+<file path=ppt/notesSlides/notesSlide18.xml><?xml version="1.0" encoding="utf-8"?>
+<p:notes xmlns:a="http://schemas.openxmlformats.org/drawingml/2006/main" xmlns:r="http://schemas.openxmlformats.org/officeDocument/2006/relationships" xmlns:p="http://schemas.openxmlformats.org/presentationml/2006/main" showMasterSp="0" showMasterPhAnim="0">
+  <p:cSld>
+    <p:spTree>
+      <p:nvGrpSpPr>
+        <p:cNvPr id="1" name="Shape 191"/>
+        <p:cNvGrpSpPr/>
+        <p:nvPr/>
+      </p:nvGrpSpPr>
+      <p:grpSpPr>
+        <a:xfrm>
+          <a:off x="0" y="0"/>
+          <a:ext cx="0" cy="0"/>
+          <a:chOff x="0" y="0"/>
+          <a:chExt cx="0" cy="0"/>
+        </a:xfrm>
+      </p:grpSpPr>
+      <p:sp>
+        <p:nvSpPr>
+          <p:cNvPr id="192" name="Google Shape;192;ge8d46ed6bd_0_162:notes"/>
+          <p:cNvSpPr>
+            <a:spLocks noGrp="1" noRot="1" noChangeAspect="1"/>
+          </p:cNvSpPr>
+          <p:nvPr>
+            <p:ph type="sldImg" idx="2"/>
+          </p:nvPr>
+        </p:nvSpPr>
+        <p:spPr>
+          <a:xfrm>
+            <a:off x="1143000" y="685800"/>
+            <a:ext cx="4572000" cy="3429000"/>
+          </a:xfrm>
+          <a:custGeom>
+            <a:avLst/>
+            <a:gdLst/>
+            <a:ahLst/>
+            <a:cxnLst/>
+            <a:rect l="l" t="t" r="r" b="b"/>
+            <a:pathLst>
+              <a:path w="120000" h="120000" extrusionOk="0">
+                <a:moveTo>
+                  <a:pt x="0" y="0"/>
+                </a:moveTo>
+                <a:lnTo>
+                  <a:pt x="120000" y="0"/>
+                </a:lnTo>
+                <a:lnTo>
+                  <a:pt x="120000" y="120000"/>
+                </a:lnTo>
+                <a:lnTo>
+                  <a:pt x="0" y="120000"/>
+                </a:lnTo>
+                <a:close/>
+              </a:path>
+            </a:pathLst>
+          </a:custGeom>
+        </p:spPr>
+      </p:sp>
+      <p:sp>
+        <p:nvSpPr>
+          <p:cNvPr id="193" name="Google Shape;193;ge8d46ed6bd_0_162:notes"/>
+          <p:cNvSpPr txBox="1">
+            <a:spLocks noGrp="1"/>
+          </p:cNvSpPr>
+          <p:nvPr>
+            <p:ph type="body" idx="1"/>
+          </p:nvPr>
+        </p:nvSpPr>
+        <p:spPr>
+          <a:xfrm>
+            <a:off x="685800" y="4343400"/>
+            <a:ext cx="5486400" cy="4114800"/>
+          </a:xfrm>
+          <a:prstGeom prst="rect">
+            <a:avLst/>
+          </a:prstGeom>
+        </p:spPr>
+        <p:txBody>
+          <a:bodyPr spcFirstLastPara="1" wrap="square" lIns="91425" tIns="91425" rIns="91425" bIns="91425" anchor="t" anchorCtr="0">
+            <a:noAutofit/>
+          </a:bodyPr>
+          <a:lstStyle/>
+          <a:p>
+            <a:pPr marL="0" lvl="0" indent="0" algn="l" rtl="0">
+              <a:spcBef>
+                <a:spcPts val="0"/>
+              </a:spcBef>
+              <a:spcAft>
+                <a:spcPts val="0"/>
+              </a:spcAft>
+              <a:buNone/>
+            </a:pPr>
+            <a:endParaRPr/>
+          </a:p>
+        </p:txBody>
+      </p:sp>
+    </p:spTree>
+    <p:extLst>
+      <p:ext uri="{BB962C8B-B14F-4D97-AF65-F5344CB8AC3E}">
         <p14:creationId xmlns:p14="http://schemas.microsoft.com/office/powerpoint/2010/main" val="205016074"/>
       </p:ext>
     </p:extLst>
@@ -1626,7 +1846,7 @@
 </p:notes>
 </file>
 
-<file path=ppt/notesSlides/notesSlide17.xml><?xml version="1.0" encoding="utf-8"?>
+<file path=ppt/notesSlides/notesSlide19.xml><?xml version="1.0" encoding="utf-8"?>
 <p:notes xmlns:a="http://schemas.openxmlformats.org/drawingml/2006/main" xmlns:r="http://schemas.openxmlformats.org/officeDocument/2006/relationships" xmlns:p="http://schemas.openxmlformats.org/presentationml/2006/main" showMasterSp="0" showMasterPhAnim="0">
   <p:cSld>
     <p:spTree>
@@ -1726,115 +1946,6 @@
     <p:extLst>
       <p:ext uri="{BB962C8B-B14F-4D97-AF65-F5344CB8AC3E}">
         <p14:creationId xmlns:p14="http://schemas.microsoft.com/office/powerpoint/2010/main" val="540684149"/>
-      </p:ext>
-    </p:extLst>
-  </p:cSld>
-  <p:clrMapOvr>
-    <a:masterClrMapping/>
-  </p:clrMapOvr>
-</p:notes>
-</file>
-
-<file path=ppt/notesSlides/notesSlide18.xml><?xml version="1.0" encoding="utf-8"?>
-<p:notes xmlns:a="http://schemas.openxmlformats.org/drawingml/2006/main" xmlns:r="http://schemas.openxmlformats.org/officeDocument/2006/relationships" xmlns:p="http://schemas.openxmlformats.org/presentationml/2006/main" showMasterSp="0" showMasterPhAnim="0">
-  <p:cSld>
-    <p:spTree>
-      <p:nvGrpSpPr>
-        <p:cNvPr id="1" name="Shape 204"/>
-        <p:cNvGrpSpPr/>
-        <p:nvPr/>
-      </p:nvGrpSpPr>
-      <p:grpSpPr>
-        <a:xfrm>
-          <a:off x="0" y="0"/>
-          <a:ext cx="0" cy="0"/>
-          <a:chOff x="0" y="0"/>
-          <a:chExt cx="0" cy="0"/>
-        </a:xfrm>
-      </p:grpSpPr>
-      <p:sp>
-        <p:nvSpPr>
-          <p:cNvPr id="205" name="Google Shape;205;ge3a7074569_0_42:notes"/>
-          <p:cNvSpPr>
-            <a:spLocks noGrp="1" noRot="1" noChangeAspect="1"/>
-          </p:cNvSpPr>
-          <p:nvPr>
-            <p:ph type="sldImg" idx="2"/>
-          </p:nvPr>
-        </p:nvSpPr>
-        <p:spPr>
-          <a:xfrm>
-            <a:off x="1143000" y="685800"/>
-            <a:ext cx="4572000" cy="3429000"/>
-          </a:xfrm>
-          <a:custGeom>
-            <a:avLst/>
-            <a:gdLst/>
-            <a:ahLst/>
-            <a:cxnLst/>
-            <a:rect l="l" t="t" r="r" b="b"/>
-            <a:pathLst>
-              <a:path w="120000" h="120000" extrusionOk="0">
-                <a:moveTo>
-                  <a:pt x="0" y="0"/>
-                </a:moveTo>
-                <a:lnTo>
-                  <a:pt x="120000" y="0"/>
-                </a:lnTo>
-                <a:lnTo>
-                  <a:pt x="120000" y="120000"/>
-                </a:lnTo>
-                <a:lnTo>
-                  <a:pt x="0" y="120000"/>
-                </a:lnTo>
-                <a:close/>
-              </a:path>
-            </a:pathLst>
-          </a:custGeom>
-        </p:spPr>
-      </p:sp>
-      <p:sp>
-        <p:nvSpPr>
-          <p:cNvPr id="206" name="Google Shape;206;ge3a7074569_0_42:notes"/>
-          <p:cNvSpPr txBox="1">
-            <a:spLocks noGrp="1"/>
-          </p:cNvSpPr>
-          <p:nvPr>
-            <p:ph type="body" idx="1"/>
-          </p:nvPr>
-        </p:nvSpPr>
-        <p:spPr>
-          <a:xfrm>
-            <a:off x="685800" y="4343400"/>
-            <a:ext cx="5486400" cy="4114800"/>
-          </a:xfrm>
-          <a:prstGeom prst="rect">
-            <a:avLst/>
-          </a:prstGeom>
-        </p:spPr>
-        <p:txBody>
-          <a:bodyPr spcFirstLastPara="1" wrap="square" lIns="91425" tIns="91425" rIns="91425" bIns="91425" anchor="t" anchorCtr="0">
-            <a:noAutofit/>
-          </a:bodyPr>
-          <a:lstStyle/>
-          <a:p>
-            <a:pPr marL="0" lvl="0" indent="0" algn="l" rtl="0">
-              <a:spcBef>
-                <a:spcPts val="0"/>
-              </a:spcBef>
-              <a:spcAft>
-                <a:spcPts val="0"/>
-              </a:spcAft>
-              <a:buNone/>
-            </a:pPr>
-            <a:endParaRPr/>
-          </a:p>
-        </p:txBody>
-      </p:sp>
-    </p:spTree>
-    <p:extLst>
-      <p:ext uri="{BB962C8B-B14F-4D97-AF65-F5344CB8AC3E}">
-        <p14:creationId xmlns:p14="http://schemas.microsoft.com/office/powerpoint/2010/main" val="2856037631"/>
       </p:ext>
     </p:extLst>
   </p:cSld>
@@ -1944,6 +2055,115 @@
     <p:extLst>
       <p:ext uri="{BB962C8B-B14F-4D97-AF65-F5344CB8AC3E}">
         <p14:creationId xmlns:p14="http://schemas.microsoft.com/office/powerpoint/2010/main" val="1536556920"/>
+      </p:ext>
+    </p:extLst>
+  </p:cSld>
+  <p:clrMapOvr>
+    <a:masterClrMapping/>
+  </p:clrMapOvr>
+</p:notes>
+</file>
+
+<file path=ppt/notesSlides/notesSlide20.xml><?xml version="1.0" encoding="utf-8"?>
+<p:notes xmlns:a="http://schemas.openxmlformats.org/drawingml/2006/main" xmlns:r="http://schemas.openxmlformats.org/officeDocument/2006/relationships" xmlns:p="http://schemas.openxmlformats.org/presentationml/2006/main" showMasterSp="0" showMasterPhAnim="0">
+  <p:cSld>
+    <p:spTree>
+      <p:nvGrpSpPr>
+        <p:cNvPr id="1" name="Shape 204"/>
+        <p:cNvGrpSpPr/>
+        <p:nvPr/>
+      </p:nvGrpSpPr>
+      <p:grpSpPr>
+        <a:xfrm>
+          <a:off x="0" y="0"/>
+          <a:ext cx="0" cy="0"/>
+          <a:chOff x="0" y="0"/>
+          <a:chExt cx="0" cy="0"/>
+        </a:xfrm>
+      </p:grpSpPr>
+      <p:sp>
+        <p:nvSpPr>
+          <p:cNvPr id="205" name="Google Shape;205;ge3a7074569_0_42:notes"/>
+          <p:cNvSpPr>
+            <a:spLocks noGrp="1" noRot="1" noChangeAspect="1"/>
+          </p:cNvSpPr>
+          <p:nvPr>
+            <p:ph type="sldImg" idx="2"/>
+          </p:nvPr>
+        </p:nvSpPr>
+        <p:spPr>
+          <a:xfrm>
+            <a:off x="1143000" y="685800"/>
+            <a:ext cx="4572000" cy="3429000"/>
+          </a:xfrm>
+          <a:custGeom>
+            <a:avLst/>
+            <a:gdLst/>
+            <a:ahLst/>
+            <a:cxnLst/>
+            <a:rect l="l" t="t" r="r" b="b"/>
+            <a:pathLst>
+              <a:path w="120000" h="120000" extrusionOk="0">
+                <a:moveTo>
+                  <a:pt x="0" y="0"/>
+                </a:moveTo>
+                <a:lnTo>
+                  <a:pt x="120000" y="0"/>
+                </a:lnTo>
+                <a:lnTo>
+                  <a:pt x="120000" y="120000"/>
+                </a:lnTo>
+                <a:lnTo>
+                  <a:pt x="0" y="120000"/>
+                </a:lnTo>
+                <a:close/>
+              </a:path>
+            </a:pathLst>
+          </a:custGeom>
+        </p:spPr>
+      </p:sp>
+      <p:sp>
+        <p:nvSpPr>
+          <p:cNvPr id="206" name="Google Shape;206;ge3a7074569_0_42:notes"/>
+          <p:cNvSpPr txBox="1">
+            <a:spLocks noGrp="1"/>
+          </p:cNvSpPr>
+          <p:nvPr>
+            <p:ph type="body" idx="1"/>
+          </p:nvPr>
+        </p:nvSpPr>
+        <p:spPr>
+          <a:xfrm>
+            <a:off x="685800" y="4343400"/>
+            <a:ext cx="5486400" cy="4114800"/>
+          </a:xfrm>
+          <a:prstGeom prst="rect">
+            <a:avLst/>
+          </a:prstGeom>
+        </p:spPr>
+        <p:txBody>
+          <a:bodyPr spcFirstLastPara="1" wrap="square" lIns="91425" tIns="91425" rIns="91425" bIns="91425" anchor="t" anchorCtr="0">
+            <a:noAutofit/>
+          </a:bodyPr>
+          <a:lstStyle/>
+          <a:p>
+            <a:pPr marL="0" lvl="0" indent="0" algn="l" rtl="0">
+              <a:spcBef>
+                <a:spcPts val="0"/>
+              </a:spcBef>
+              <a:spcAft>
+                <a:spcPts val="0"/>
+              </a:spcAft>
+              <a:buNone/>
+            </a:pPr>
+            <a:endParaRPr/>
+          </a:p>
+        </p:txBody>
+      </p:sp>
+    </p:spTree>
+    <p:extLst>
+      <p:ext uri="{BB962C8B-B14F-4D97-AF65-F5344CB8AC3E}">
+        <p14:creationId xmlns:p14="http://schemas.microsoft.com/office/powerpoint/2010/main" val="2856037631"/>
       </p:ext>
     </p:extLst>
   </p:cSld>
@@ -10377,24 +10597,8 @@
               <a:buNone/>
             </a:pPr>
             <a:r>
-              <a:rPr lang="ru" dirty="0"/>
-              <a:t>Что </a:t>
-            </a:r>
-            <a:r>
               <a:rPr lang="ru" dirty="0" smtClean="0"/>
-              <a:t>получилось </a:t>
-            </a:r>
-            <a:r>
-              <a:rPr lang="en-US" dirty="0" smtClean="0"/>
-              <a:t>(ETL </a:t>
-            </a:r>
-            <a:r>
-              <a:rPr lang="ru-RU" dirty="0" smtClean="0"/>
-              <a:t>процесс</a:t>
-            </a:r>
-            <a:r>
-              <a:rPr lang="en-US" dirty="0" smtClean="0"/>
-              <a:t>)</a:t>
+              <a:t>Начисление абонентам за газоснабжение</a:t>
             </a:r>
             <a:endParaRPr dirty="0"/>
           </a:p>
@@ -10412,8 +10616,8 @@
         </p:nvSpPr>
         <p:spPr>
           <a:xfrm>
-            <a:off x="500550" y="1825750"/>
-            <a:ext cx="8425736" cy="3486300"/>
+            <a:off x="500549" y="1825750"/>
+            <a:ext cx="8321233" cy="4487964"/>
           </a:xfrm>
           <a:prstGeom prst="rect">
             <a:avLst/>
@@ -10425,214 +10629,170 @@
           </a:bodyPr>
           <a:lstStyle/>
           <a:p>
-            <a:pPr marL="120650" lvl="0" indent="0" algn="l" rtl="0">
+            <a:pPr marL="120650" indent="0">
               <a:lnSpc>
                 <a:spcPct val="100000"/>
               </a:lnSpc>
               <a:spcBef>
                 <a:spcPts val="0"/>
               </a:spcBef>
-              <a:spcAft>
-                <a:spcPts val="0"/>
-              </a:spcAft>
-              <a:buSzPts val="1700"/>
               <a:buNone/>
             </a:pPr>
             <a:r>
               <a:rPr lang="ru-RU" dirty="0" smtClean="0"/>
-              <a:t>Общее описание </a:t>
+              <a:t>Начисление абонентам ведется в разрезе следующих признаков:</a:t>
             </a:r>
+          </a:p>
+          <a:p>
+            <a:pPr>
+              <a:lnSpc>
+                <a:spcPct val="100000"/>
+              </a:lnSpc>
+              <a:spcBef>
+                <a:spcPts val="0"/>
+              </a:spcBef>
+              <a:buFontTx/>
+              <a:buChar char="-"/>
+            </a:pPr>
             <a:r>
-              <a:rPr lang="en-US" dirty="0" smtClean="0"/>
-              <a:t>ETL </a:t>
+              <a:rPr lang="ru-RU" b="1" dirty="0" smtClean="0"/>
+              <a:t>ГРО</a:t>
             </a:r>
             <a:r>
               <a:rPr lang="ru-RU" dirty="0" smtClean="0"/>
-              <a:t>процесса:</a:t>
+              <a:t> - </a:t>
+            </a:r>
+            <a:r>
+              <a:rPr lang="ru-RU" dirty="0"/>
+              <a:t>Газораспределительная </a:t>
+            </a:r>
+            <a:r>
+              <a:rPr lang="ru-RU" dirty="0" smtClean="0"/>
+              <a:t>организация - </a:t>
+            </a:r>
+            <a:r>
+              <a:rPr lang="ru-RU" dirty="0"/>
+              <a:t>это специализированная компания, отвечающая за эксплуатацию газораспределительной системы и транспортировку природного газа до </a:t>
+            </a:r>
+            <a:r>
+              <a:rPr lang="ru-RU" dirty="0" smtClean="0"/>
+              <a:t>потребителей</a:t>
             </a:r>
           </a:p>
           <a:p>
-            <a:pPr marL="120650" lvl="0" indent="0" algn="l" rtl="0">
+            <a:pPr>
               <a:lnSpc>
                 <a:spcPct val="100000"/>
               </a:lnSpc>
               <a:spcBef>
                 <a:spcPts val="0"/>
               </a:spcBef>
-              <a:spcAft>
-                <a:spcPts val="0"/>
-              </a:spcAft>
-              <a:buSzPts val="1700"/>
-              <a:buNone/>
+              <a:buFontTx/>
+              <a:buChar char="-"/>
             </a:pPr>
-            <a:endParaRPr lang="ru-RU" dirty="0" smtClean="0"/>
+            <a:r>
+              <a:rPr lang="ru-RU" b="1" dirty="0" smtClean="0"/>
+              <a:t>Договор с ГРО – </a:t>
+            </a:r>
+            <a:r>
+              <a:rPr lang="ru-RU" dirty="0"/>
+              <a:t>договор заключенный между ГРО и </a:t>
+            </a:r>
+            <a:r>
+              <a:rPr lang="ru-RU" dirty="0" err="1"/>
+              <a:t>ресурсоснабжающей</a:t>
+            </a:r>
+            <a:r>
+              <a:rPr lang="ru-RU" dirty="0"/>
+              <a:t> организацией</a:t>
+            </a:r>
           </a:p>
           <a:p>
-            <a:pPr marL="120650" lvl="0" indent="0" algn="l" rtl="0">
+            <a:pPr>
               <a:lnSpc>
                 <a:spcPct val="100000"/>
               </a:lnSpc>
               <a:spcBef>
                 <a:spcPts val="0"/>
               </a:spcBef>
-              <a:spcAft>
-                <a:spcPts val="0"/>
-              </a:spcAft>
-              <a:buSzPts val="1700"/>
-              <a:buNone/>
+              <a:buFontTx/>
+              <a:buChar char="-"/>
             </a:pPr>
             <a:r>
-              <a:rPr lang="ru-RU" dirty="0" smtClean="0"/>
-              <a:t>Таблица на движке </a:t>
-            </a:r>
-            <a:r>
-              <a:rPr lang="en-US" dirty="0" smtClean="0"/>
-              <a:t>PostgreSQL (</a:t>
+              <a:rPr lang="ru-RU" b="1" dirty="0" smtClean="0"/>
+              <a:t>ГРС</a:t>
             </a:r>
             <a:r>
               <a:rPr lang="ru-RU" dirty="0" smtClean="0"/>
-              <a:t>подключено представление в БД </a:t>
+              <a:t> - </a:t>
+            </a:r>
+            <a:r>
+              <a:rPr lang="ru-RU" dirty="0"/>
+              <a:t>Газораспределительная </a:t>
+            </a:r>
+            <a:r>
+              <a:rPr lang="ru-RU" dirty="0" smtClean="0"/>
+              <a:t>станция - </a:t>
+            </a:r>
+            <a:r>
+              <a:rPr lang="ru-RU" dirty="0"/>
+              <a:t>служит для понижения давления газа до уровня, необходимого по условиям его безопасного потребления и обеспечивает также подачу газа обусловленного количества с определённой степенью очистки и </a:t>
             </a:r>
             <a:r>
               <a:rPr lang="ru-RU" dirty="0" err="1" smtClean="0"/>
-              <a:t>биллинга</a:t>
+              <a:t>одоризации</a:t>
             </a:r>
             <a:r>
-              <a:rPr lang="en-US" dirty="0" smtClean="0"/>
-              <a:t>) -&gt;</a:t>
+              <a:rPr lang="ru-RU" dirty="0" smtClean="0"/>
+              <a:t>. Осуществляет </a:t>
             </a:r>
-            <a:endParaRPr lang="ru-RU" dirty="0" smtClean="0"/>
+            <a:r>
+              <a:rPr lang="ru-RU" dirty="0"/>
+              <a:t>учёт количества (расхода) газа перед подачей его </a:t>
+            </a:r>
+            <a:r>
+              <a:rPr lang="ru-RU" dirty="0" smtClean="0"/>
+              <a:t>потребителю</a:t>
+            </a:r>
           </a:p>
           <a:p>
-            <a:pPr marL="120650" lvl="0" indent="0" algn="l" rtl="0">
+            <a:pPr>
               <a:lnSpc>
                 <a:spcPct val="100000"/>
               </a:lnSpc>
               <a:spcBef>
                 <a:spcPts val="0"/>
               </a:spcBef>
-              <a:spcAft>
-                <a:spcPts val="0"/>
-              </a:spcAft>
-              <a:buSzPts val="1700"/>
-              <a:buNone/>
+              <a:buFontTx/>
+              <a:buChar char="-"/>
+            </a:pPr>
+            <a:r>
+              <a:rPr lang="ru-RU" b="1" dirty="0" smtClean="0"/>
+              <a:t>Вид потребления газа </a:t>
+            </a:r>
+            <a:r>
+              <a:rPr lang="ru-RU" dirty="0" smtClean="0"/>
+              <a:t>– указывает на цель использования газа (приготовление пищи, отопление и т.д.), а так же устанавливает нормативы потребления.</a:t>
+            </a:r>
+            <a:endParaRPr lang="ru-RU" dirty="0"/>
+          </a:p>
+          <a:p>
+            <a:pPr>
+              <a:lnSpc>
+                <a:spcPct val="100000"/>
+              </a:lnSpc>
+              <a:spcBef>
+                <a:spcPts val="0"/>
+              </a:spcBef>
+              <a:buFontTx/>
+              <a:buChar char="-"/>
             </a:pPr>
             <a:endParaRPr lang="ru-RU" dirty="0"/>
           </a:p>
           <a:p>
-            <a:pPr marL="120650" lvl="0" indent="0" algn="l" rtl="0">
-              <a:lnSpc>
-                <a:spcPct val="100000"/>
-              </a:lnSpc>
-              <a:spcBef>
-                <a:spcPts val="0"/>
-              </a:spcBef>
-              <a:spcAft>
-                <a:spcPts val="0"/>
-              </a:spcAft>
-              <a:buSzPts val="1700"/>
+            <a:pPr marL="120650" indent="0">
               <a:buNone/>
             </a:pPr>
-            <a:r>
-              <a:rPr lang="en-US" dirty="0" smtClean="0"/>
-              <a:t> </a:t>
-            </a:r>
-            <a:r>
-              <a:rPr lang="ru-RU" dirty="0" smtClean="0"/>
-              <a:t>вставка данных в таблицу на движке </a:t>
-            </a:r>
-            <a:r>
-              <a:rPr lang="en-US" dirty="0" smtClean="0"/>
-              <a:t>Null -&gt; </a:t>
-            </a:r>
-            <a:endParaRPr lang="ru-RU" dirty="0" smtClean="0"/>
-          </a:p>
-          <a:p>
-            <a:pPr marL="120650" lvl="0" indent="0" algn="l" rtl="0">
-              <a:lnSpc>
-                <a:spcPct val="100000"/>
-              </a:lnSpc>
-              <a:spcBef>
-                <a:spcPts val="0"/>
-              </a:spcBef>
-              <a:spcAft>
-                <a:spcPts val="0"/>
-              </a:spcAft>
-              <a:buSzPts val="1700"/>
-              <a:buNone/>
-            </a:pPr>
-            <a:endParaRPr lang="ru-RU" dirty="0"/>
-          </a:p>
-          <a:p>
-            <a:pPr marL="120650" lvl="0" indent="0" algn="l" rtl="0">
-              <a:lnSpc>
-                <a:spcPct val="100000"/>
-              </a:lnSpc>
-              <a:spcBef>
-                <a:spcPts val="0"/>
-              </a:spcBef>
-              <a:spcAft>
-                <a:spcPts val="0"/>
-              </a:spcAft>
-              <a:buSzPts val="1700"/>
-              <a:buNone/>
-            </a:pPr>
-            <a:r>
-              <a:rPr lang="ru-RU" dirty="0" err="1" smtClean="0"/>
-              <a:t>матераизованное</a:t>
-            </a:r>
-            <a:r>
-              <a:rPr lang="ru-RU" dirty="0" smtClean="0"/>
-              <a:t> </a:t>
-            </a:r>
-            <a:r>
-              <a:rPr lang="ru-RU" dirty="0" smtClean="0"/>
-              <a:t>представление </a:t>
-            </a:r>
-            <a:r>
-              <a:rPr lang="en-US" dirty="0" smtClean="0"/>
-              <a:t>-&gt; </a:t>
-            </a:r>
-            <a:endParaRPr lang="ru-RU" dirty="0" smtClean="0"/>
-          </a:p>
-          <a:p>
-            <a:pPr marL="120650" lvl="0" indent="0" algn="l" rtl="0">
-              <a:lnSpc>
-                <a:spcPct val="100000"/>
-              </a:lnSpc>
-              <a:spcBef>
-                <a:spcPts val="0"/>
-              </a:spcBef>
-              <a:spcAft>
-                <a:spcPts val="0"/>
-              </a:spcAft>
-              <a:buSzPts val="1700"/>
-              <a:buNone/>
-            </a:pPr>
-            <a:endParaRPr lang="ru-RU" dirty="0"/>
-          </a:p>
-          <a:p>
-            <a:pPr marL="120650" lvl="0" indent="0" algn="l" rtl="0">
-              <a:lnSpc>
-                <a:spcPct val="100000"/>
-              </a:lnSpc>
-              <a:spcBef>
-                <a:spcPts val="0"/>
-              </a:spcBef>
-              <a:spcAft>
-                <a:spcPts val="0"/>
-              </a:spcAft>
-              <a:buSzPts val="1700"/>
-              <a:buNone/>
-            </a:pPr>
-            <a:r>
-              <a:rPr lang="ru-RU" dirty="0" smtClean="0"/>
-              <a:t>перекладывает данные (предварительно данные преобразуются) в таблицы на движках </a:t>
-            </a:r>
-            <a:r>
-              <a:rPr lang="en-US" dirty="0" err="1" smtClean="0"/>
-              <a:t>MergeTree</a:t>
-            </a:r>
             <a:endParaRPr dirty="0"/>
           </a:p>
         </p:txBody>
@@ -10640,7 +10800,7 @@
     </p:spTree>
     <p:extLst>
       <p:ext uri="{BB962C8B-B14F-4D97-AF65-F5344CB8AC3E}">
-        <p14:creationId xmlns:p14="http://schemas.microsoft.com/office/powerpoint/2010/main" val="2603089899"/>
+        <p14:creationId xmlns:p14="http://schemas.microsoft.com/office/powerpoint/2010/main" val="1762421228"/>
       </p:ext>
     </p:extLst>
   </p:cSld>
@@ -10709,16 +10869,8 @@
               <a:buNone/>
             </a:pPr>
             <a:r>
-              <a:rPr lang="ru" dirty="0"/>
-              <a:t>Что </a:t>
-            </a:r>
-            <a:r>
               <a:rPr lang="ru" dirty="0" smtClean="0"/>
-              <a:t>получилось (</a:t>
-            </a:r>
-            <a:r>
-              <a:rPr lang="en-US" dirty="0" smtClean="0"/>
-              <a:t>BI)</a:t>
+              <a:t>Структура дебиторской задолженности</a:t>
             </a:r>
             <a:endParaRPr dirty="0"/>
           </a:p>
@@ -10736,8 +10888,8 @@
         </p:nvSpPr>
         <p:spPr>
           <a:xfrm>
-            <a:off x="500550" y="1825750"/>
-            <a:ext cx="8520600" cy="551690"/>
+            <a:off x="500549" y="1825750"/>
+            <a:ext cx="8321233" cy="4487964"/>
           </a:xfrm>
           <a:prstGeom prst="rect">
             <a:avLst/>
@@ -10749,75 +10901,429 @@
           </a:bodyPr>
           <a:lstStyle/>
           <a:p>
-            <a:pPr marL="120650" lvl="0" indent="0" algn="l" rtl="0">
+            <a:pPr>
               <a:lnSpc>
                 <a:spcPct val="100000"/>
               </a:lnSpc>
               <a:spcBef>
                 <a:spcPts val="0"/>
               </a:spcBef>
-              <a:spcAft>
-                <a:spcPts val="0"/>
-              </a:spcAft>
-              <a:buSzPts val="1700"/>
-              <a:buNone/>
+              <a:buFontTx/>
+              <a:buChar char="-"/>
+            </a:pPr>
+            <a:r>
+              <a:rPr lang="ru" dirty="0"/>
+              <a:t>Структура дебиторской </a:t>
+            </a:r>
+            <a:r>
+              <a:rPr lang="ru" dirty="0" smtClean="0"/>
+              <a:t>задолженности (ДЗ) - х</a:t>
+            </a:r>
+            <a:r>
+              <a:rPr lang="ru-RU" dirty="0" err="1" smtClean="0"/>
+              <a:t>арактеризует</a:t>
+            </a:r>
+            <a:r>
+              <a:rPr lang="ru-RU" dirty="0" smtClean="0"/>
+              <a:t> </a:t>
+            </a:r>
+            <a:r>
+              <a:rPr lang="ru-RU" dirty="0"/>
+              <a:t>обязательства перед организацией в части оплаты продукции, работ, услуг и позволяет определить возможные перспективы получения организацией </a:t>
+            </a:r>
+            <a:r>
+              <a:rPr lang="ru-RU" dirty="0" smtClean="0"/>
+              <a:t>средств</a:t>
+            </a:r>
+          </a:p>
+          <a:p>
+            <a:pPr>
+              <a:lnSpc>
+                <a:spcPct val="100000"/>
+              </a:lnSpc>
+              <a:spcBef>
+                <a:spcPts val="0"/>
+              </a:spcBef>
+              <a:buFontTx/>
+              <a:buChar char="-"/>
             </a:pPr>
             <a:r>
               <a:rPr lang="ru-RU" dirty="0" smtClean="0"/>
-              <a:t>Аналитическая отчетность перенесена в </a:t>
+              <a:t>В </a:t>
             </a:r>
             <a:r>
-              <a:rPr lang="en-US" dirty="0" smtClean="0"/>
-              <a:t>BI Superset</a:t>
+              <a:rPr lang="ru-RU" dirty="0" err="1" smtClean="0"/>
+              <a:t>биллинговой</a:t>
             </a:r>
-            <a:endParaRPr lang="ru-RU" dirty="0" smtClean="0"/>
+            <a:r>
+              <a:rPr lang="ru-RU" dirty="0" smtClean="0"/>
+              <a:t> системе дебиторская и кредиторская задолженность абонента «свернута» в итоговое сальдо для удобства абонента и операторов по обслуживанию абонентов.</a:t>
+            </a:r>
           </a:p>
           <a:p>
-            <a:pPr marL="120650" lvl="0" indent="0" algn="l" rtl="0">
+            <a:pPr>
               <a:lnSpc>
                 <a:spcPct val="100000"/>
               </a:lnSpc>
               <a:spcBef>
                 <a:spcPts val="0"/>
               </a:spcBef>
-              <a:spcAft>
-                <a:spcPts val="0"/>
-              </a:spcAft>
-              <a:buSzPts val="1700"/>
+              <a:buFontTx/>
+              <a:buChar char="-"/>
+            </a:pPr>
+            <a:r>
+              <a:rPr lang="ru-RU" dirty="0" smtClean="0"/>
+              <a:t>Общий вид структуры ДЗ для одного абонента (общая ДЗ – 758.61р):</a:t>
+            </a:r>
+          </a:p>
+          <a:p>
+            <a:pPr marL="120650" indent="0">
+              <a:lnSpc>
+                <a:spcPct val="100000"/>
+              </a:lnSpc>
+              <a:spcBef>
+                <a:spcPts val="0"/>
+              </a:spcBef>
+              <a:buNone/>
+            </a:pPr>
+            <a:endParaRPr lang="ru-RU" dirty="0"/>
+          </a:p>
+          <a:p>
+            <a:pPr marL="120650" indent="0">
               <a:buNone/>
             </a:pPr>
             <a:endParaRPr dirty="0"/>
           </a:p>
         </p:txBody>
       </p:sp>
-      <p:pic>
-        <p:nvPicPr>
-          <p:cNvPr id="2" name="Рисунок 1"/>
-          <p:cNvPicPr>
-            <a:picLocks noChangeAspect="1"/>
-          </p:cNvPicPr>
-          <p:nvPr/>
-        </p:nvPicPr>
-        <p:blipFill>
-          <a:blip r:embed="rId3"/>
-          <a:stretch>
-            <a:fillRect/>
-          </a:stretch>
-        </p:blipFill>
-        <p:spPr>
-          <a:xfrm>
-            <a:off x="500550" y="2224404"/>
-            <a:ext cx="8520600" cy="3862442"/>
-          </a:xfrm>
-          <a:prstGeom prst="rect">
-            <a:avLst/>
-          </a:prstGeom>
-        </p:spPr>
-      </p:pic>
+      <p:graphicFrame>
+        <p:nvGraphicFramePr>
+          <p:cNvPr id="3" name="Таблица 2"/>
+          <p:cNvGraphicFramePr>
+            <a:graphicFrameLocks noGrp="1"/>
+          </p:cNvGraphicFramePr>
+          <p:nvPr>
+            <p:extLst>
+              <p:ext uri="{D42A27DB-BD31-4B8C-83A1-F6EECF244321}">
+                <p14:modId xmlns:p14="http://schemas.microsoft.com/office/powerpoint/2010/main" val="2486314429"/>
+              </p:ext>
+            </p:extLst>
+          </p:nvPr>
+        </p:nvGraphicFramePr>
+        <p:xfrm>
+          <a:off x="583473" y="4262120"/>
+          <a:ext cx="8107680" cy="889000"/>
+        </p:xfrm>
+        <a:graphic>
+          <a:graphicData uri="http://schemas.openxmlformats.org/drawingml/2006/table">
+            <a:tbl>
+              <a:tblPr firstRow="1" bandRow="1">
+                <a:tableStyleId>{9770DCD2-165E-4EA4-A826-94F60AAA0599}</a:tableStyleId>
+              </a:tblPr>
+              <a:tblGrid>
+                <a:gridCol w="810768"/>
+                <a:gridCol w="810768"/>
+                <a:gridCol w="810768"/>
+                <a:gridCol w="810768"/>
+                <a:gridCol w="810768"/>
+                <a:gridCol w="810768"/>
+                <a:gridCol w="810768"/>
+                <a:gridCol w="810768"/>
+                <a:gridCol w="810768"/>
+                <a:gridCol w="810768"/>
+              </a:tblGrid>
+              <a:tr h="370840">
+                <a:tc>
+                  <a:txBody>
+                    <a:bodyPr/>
+                    <a:lstStyle/>
+                    <a:p>
+                      <a:r>
+                        <a:rPr lang="ru-RU" dirty="0" smtClean="0"/>
+                        <a:t>Период</a:t>
+                      </a:r>
+                      <a:endParaRPr lang="ru-RU" dirty="0"/>
+                    </a:p>
+                  </a:txBody>
+                  <a:tcPr/>
+                </a:tc>
+                <a:tc>
+                  <a:txBody>
+                    <a:bodyPr/>
+                    <a:lstStyle/>
+                    <a:p>
+                      <a:r>
+                        <a:rPr lang="ru-RU" dirty="0" smtClean="0"/>
+                        <a:t>02.24</a:t>
+                      </a:r>
+                      <a:endParaRPr lang="ru-RU" dirty="0"/>
+                    </a:p>
+                  </a:txBody>
+                  <a:tcPr/>
+                </a:tc>
+                <a:tc>
+                  <a:txBody>
+                    <a:bodyPr/>
+                    <a:lstStyle/>
+                    <a:p>
+                      <a:r>
+                        <a:rPr lang="ru-RU" dirty="0" smtClean="0"/>
+                        <a:t>01.24</a:t>
+                      </a:r>
+                      <a:endParaRPr lang="ru-RU" dirty="0"/>
+                    </a:p>
+                  </a:txBody>
+                  <a:tcPr/>
+                </a:tc>
+                <a:tc>
+                  <a:txBody>
+                    <a:bodyPr/>
+                    <a:lstStyle/>
+                    <a:p>
+                      <a:r>
+                        <a:rPr lang="ru-RU" dirty="0" smtClean="0"/>
+                        <a:t>12.24</a:t>
+                      </a:r>
+                      <a:endParaRPr lang="ru-RU" dirty="0"/>
+                    </a:p>
+                  </a:txBody>
+                  <a:tcPr/>
+                </a:tc>
+                <a:tc>
+                  <a:txBody>
+                    <a:bodyPr/>
+                    <a:lstStyle/>
+                    <a:p>
+                      <a:r>
+                        <a:rPr lang="ru-RU" dirty="0" smtClean="0"/>
+                        <a:t>10.24</a:t>
+                      </a:r>
+                      <a:endParaRPr lang="ru-RU" dirty="0"/>
+                    </a:p>
+                  </a:txBody>
+                  <a:tcPr/>
+                </a:tc>
+                <a:tc>
+                  <a:txBody>
+                    <a:bodyPr/>
+                    <a:lstStyle/>
+                    <a:p>
+                      <a:r>
+                        <a:rPr lang="ru-RU" dirty="0" smtClean="0"/>
+                        <a:t>09.24</a:t>
+                      </a:r>
+                      <a:endParaRPr lang="ru-RU" dirty="0"/>
+                    </a:p>
+                  </a:txBody>
+                  <a:tcPr/>
+                </a:tc>
+                <a:tc>
+                  <a:txBody>
+                    <a:bodyPr/>
+                    <a:lstStyle/>
+                    <a:p>
+                      <a:r>
+                        <a:rPr lang="ru-RU" dirty="0" smtClean="0"/>
+                        <a:t>08.24</a:t>
+                      </a:r>
+                      <a:endParaRPr lang="ru-RU" dirty="0"/>
+                    </a:p>
+                  </a:txBody>
+                  <a:tcPr/>
+                </a:tc>
+                <a:tc>
+                  <a:txBody>
+                    <a:bodyPr/>
+                    <a:lstStyle/>
+                    <a:p>
+                      <a:r>
+                        <a:rPr lang="ru-RU" dirty="0" smtClean="0"/>
+                        <a:t>07.24</a:t>
+                      </a:r>
+                      <a:endParaRPr lang="ru-RU" dirty="0"/>
+                    </a:p>
+                  </a:txBody>
+                  <a:tcPr/>
+                </a:tc>
+                <a:tc>
+                  <a:txBody>
+                    <a:bodyPr/>
+                    <a:lstStyle/>
+                    <a:p>
+                      <a:r>
+                        <a:rPr lang="ru-RU" dirty="0" smtClean="0"/>
+                        <a:t>06.24</a:t>
+                      </a:r>
+                      <a:endParaRPr lang="ru-RU" dirty="0"/>
+                    </a:p>
+                  </a:txBody>
+                  <a:tcPr/>
+                </a:tc>
+                <a:tc>
+                  <a:txBody>
+                    <a:bodyPr/>
+                    <a:lstStyle/>
+                    <a:p>
+                      <a:r>
+                        <a:rPr lang="ru-RU" dirty="0" smtClean="0"/>
+                        <a:t>01.23</a:t>
+                      </a:r>
+                      <a:endParaRPr lang="ru-RU" dirty="0"/>
+                    </a:p>
+                  </a:txBody>
+                  <a:tcPr/>
+                </a:tc>
+              </a:tr>
+              <a:tr h="370840">
+                <a:tc>
+                  <a:txBody>
+                    <a:bodyPr/>
+                    <a:lstStyle/>
+                    <a:p>
+                      <a:r>
+                        <a:rPr lang="ru-RU" dirty="0" smtClean="0"/>
+                        <a:t>Сумма ДЗ</a:t>
+                      </a:r>
+                      <a:endParaRPr lang="ru-RU" dirty="0"/>
+                    </a:p>
+                  </a:txBody>
+                  <a:tcPr/>
+                </a:tc>
+                <a:tc>
+                  <a:txBody>
+                    <a:bodyPr/>
+                    <a:lstStyle/>
+                    <a:p>
+                      <a:r>
+                        <a:rPr lang="ru-RU" dirty="0" smtClean="0"/>
+                        <a:t>50.02</a:t>
+                      </a:r>
+                      <a:endParaRPr lang="ru-RU" dirty="0"/>
+                    </a:p>
+                  </a:txBody>
+                  <a:tcPr/>
+                </a:tc>
+                <a:tc>
+                  <a:txBody>
+                    <a:bodyPr/>
+                    <a:lstStyle/>
+                    <a:p>
+                      <a:r>
+                        <a:rPr lang="ru-RU" dirty="0" smtClean="0"/>
+                        <a:t>100.04</a:t>
+                      </a:r>
+                      <a:endParaRPr lang="ru-RU" dirty="0"/>
+                    </a:p>
+                  </a:txBody>
+                  <a:tcPr/>
+                </a:tc>
+                <a:tc>
+                  <a:txBody>
+                    <a:bodyPr/>
+                    <a:lstStyle/>
+                    <a:p>
+                      <a:r>
+                        <a:rPr lang="ru-RU" dirty="0" smtClean="0"/>
+                        <a:t>100.04</a:t>
+                      </a:r>
+                      <a:endParaRPr lang="ru-RU" dirty="0"/>
+                    </a:p>
+                  </a:txBody>
+                  <a:tcPr/>
+                </a:tc>
+                <a:tc>
+                  <a:txBody>
+                    <a:bodyPr/>
+                    <a:lstStyle/>
+                    <a:p>
+                      <a:r>
+                        <a:rPr lang="ru-RU" dirty="0" smtClean="0"/>
+                        <a:t>39.56</a:t>
+                      </a:r>
+                      <a:endParaRPr lang="ru-RU" dirty="0"/>
+                    </a:p>
+                  </a:txBody>
+                  <a:tcPr/>
+                </a:tc>
+                <a:tc>
+                  <a:txBody>
+                    <a:bodyPr/>
+                    <a:lstStyle/>
+                    <a:p>
+                      <a:r>
+                        <a:rPr lang="ru-RU" dirty="0" smtClean="0"/>
+                        <a:t>100.04</a:t>
+                      </a:r>
+                      <a:endParaRPr lang="ru-RU" dirty="0"/>
+                    </a:p>
+                  </a:txBody>
+                  <a:tcPr/>
+                </a:tc>
+                <a:tc>
+                  <a:txBody>
+                    <a:bodyPr/>
+                    <a:lstStyle/>
+                    <a:p>
+                      <a:r>
+                        <a:rPr lang="ru-RU" dirty="0" smtClean="0"/>
+                        <a:t>100.04</a:t>
+                      </a:r>
+                      <a:endParaRPr lang="ru-RU" dirty="0"/>
+                    </a:p>
+                  </a:txBody>
+                  <a:tcPr/>
+                </a:tc>
+                <a:tc>
+                  <a:txBody>
+                    <a:bodyPr/>
+                    <a:lstStyle/>
+                    <a:p>
+                      <a:r>
+                        <a:rPr lang="ru-RU" dirty="0" smtClean="0"/>
+                        <a:t>100.04</a:t>
+                      </a:r>
+                      <a:endParaRPr lang="ru-RU" dirty="0"/>
+                    </a:p>
+                  </a:txBody>
+                  <a:tcPr/>
+                </a:tc>
+                <a:tc>
+                  <a:txBody>
+                    <a:bodyPr/>
+                    <a:lstStyle/>
+                    <a:p>
+                      <a:r>
+                        <a:rPr lang="ru-RU" dirty="0" smtClean="0"/>
+                        <a:t>89.96</a:t>
+                      </a:r>
+                      <a:endParaRPr lang="ru-RU" dirty="0"/>
+                    </a:p>
+                  </a:txBody>
+                  <a:tcPr/>
+                </a:tc>
+                <a:tc>
+                  <a:txBody>
+                    <a:bodyPr/>
+                    <a:lstStyle/>
+                    <a:p>
+                      <a:r>
+                        <a:rPr lang="ru-RU" dirty="0" smtClean="0"/>
+                        <a:t>78.87</a:t>
+                      </a:r>
+                      <a:endParaRPr lang="ru-RU" dirty="0"/>
+                    </a:p>
+                  </a:txBody>
+                  <a:tcPr/>
+                </a:tc>
+              </a:tr>
+            </a:tbl>
+          </a:graphicData>
+        </a:graphic>
+      </p:graphicFrame>
     </p:spTree>
     <p:extLst>
       <p:ext uri="{BB962C8B-B14F-4D97-AF65-F5344CB8AC3E}">
-        <p14:creationId xmlns:p14="http://schemas.microsoft.com/office/powerpoint/2010/main" val="1922679694"/>
+        <p14:creationId xmlns:p14="http://schemas.microsoft.com/office/powerpoint/2010/main" val="141542478"/>
       </p:ext>
     </p:extLst>
   </p:cSld>
@@ -10891,7 +11397,19 @@
             </a:r>
             <a:r>
               <a:rPr lang="ru" dirty="0" smtClean="0"/>
-              <a:t>получилось (Мониторинг)</a:t>
+              <a:t>получилось </a:t>
+            </a:r>
+            <a:r>
+              <a:rPr lang="en-US" dirty="0" smtClean="0"/>
+              <a:t>(ETL </a:t>
+            </a:r>
+            <a:r>
+              <a:rPr lang="ru-RU" dirty="0" smtClean="0"/>
+              <a:t>процесс</a:t>
+            </a:r>
+            <a:r>
+              <a:rPr lang="en-US" dirty="0" smtClean="0"/>
+              <a:t>)</a:t>
             </a:r>
             <a:endParaRPr dirty="0"/>
           </a:p>
@@ -10910,7 +11428,7 @@
         <p:spPr>
           <a:xfrm>
             <a:off x="500550" y="1825750"/>
-            <a:ext cx="8364776" cy="1326753"/>
+            <a:ext cx="8425736" cy="3486300"/>
           </a:xfrm>
           <a:prstGeom prst="rect">
             <a:avLst/>
@@ -10922,7 +11440,7 @@
           </a:bodyPr>
           <a:lstStyle/>
           <a:p>
-            <a:pPr marL="457200" lvl="0" indent="-336550" algn="just" rtl="0">
+            <a:pPr marL="120650" lvl="0" indent="0" algn="l" rtl="0">
               <a:lnSpc>
                 <a:spcPct val="100000"/>
               </a:lnSpc>
@@ -10933,120 +11451,207 @@
                 <a:spcPts val="0"/>
               </a:spcAft>
               <a:buSzPts val="1700"/>
-              <a:buAutoNum type="arabicPeriod"/>
+              <a:buNone/>
             </a:pPr>
             <a:r>
               <a:rPr lang="ru-RU" dirty="0" smtClean="0"/>
-              <a:t>Сбор метрик организован с двух серверов </a:t>
-            </a:r>
-            <a:r>
-              <a:rPr lang="en-US" dirty="0" err="1" smtClean="0"/>
-              <a:t>ClickHouse</a:t>
+              <a:t>Общее описание </a:t>
             </a:r>
             <a:r>
               <a:rPr lang="en-US" dirty="0" smtClean="0"/>
-              <a:t> (Node Exporter + Internal </a:t>
+              <a:t>ETL </a:t>
             </a:r>
             <a:r>
-              <a:rPr lang="en-US" dirty="0" err="1" smtClean="0"/>
-              <a:t>ClickHouse</a:t>
+              <a:rPr lang="ru-RU" dirty="0" smtClean="0"/>
+              <a:t>процесса:</a:t>
+            </a:r>
+          </a:p>
+          <a:p>
+            <a:pPr marL="120650" lvl="0" indent="0" algn="l" rtl="0">
+              <a:lnSpc>
+                <a:spcPct val="100000"/>
+              </a:lnSpc>
+              <a:spcBef>
+                <a:spcPts val="0"/>
+              </a:spcBef>
+              <a:spcAft>
+                <a:spcPts val="0"/>
+              </a:spcAft>
+              <a:buSzPts val="1700"/>
+              <a:buNone/>
+            </a:pPr>
+            <a:endParaRPr lang="ru-RU" dirty="0" smtClean="0"/>
+          </a:p>
+          <a:p>
+            <a:pPr marL="120650" lvl="0" indent="0" algn="l" rtl="0">
+              <a:lnSpc>
+                <a:spcPct val="100000"/>
+              </a:lnSpc>
+              <a:spcBef>
+                <a:spcPts val="0"/>
+              </a:spcBef>
+              <a:spcAft>
+                <a:spcPts val="0"/>
+              </a:spcAft>
+              <a:buSzPts val="1700"/>
+              <a:buNone/>
+            </a:pPr>
+            <a:r>
+              <a:rPr lang="ru-RU" dirty="0" smtClean="0"/>
+              <a:t>Таблица на движке </a:t>
             </a:r>
             <a:r>
               <a:rPr lang="en-US" dirty="0" smtClean="0"/>
-              <a:t> Exporter) </a:t>
+              <a:t>PostgreSQL (</a:t>
             </a:r>
             <a:r>
               <a:rPr lang="ru-RU" dirty="0" smtClean="0"/>
-              <a:t>средствами </a:t>
+              <a:t>подключено представление в БД </a:t>
+            </a:r>
+            <a:r>
+              <a:rPr lang="ru-RU" dirty="0" err="1" smtClean="0"/>
+              <a:t>биллинга</a:t>
             </a:r>
             <a:r>
               <a:rPr lang="en-US" dirty="0" smtClean="0"/>
-              <a:t>Prometheus</a:t>
-            </a:r>
-          </a:p>
-          <a:p>
-            <a:pPr lvl="0" algn="just">
-              <a:lnSpc>
-                <a:spcPct val="100000"/>
-              </a:lnSpc>
-              <a:spcBef>
-                <a:spcPts val="0"/>
-              </a:spcBef>
-              <a:buAutoNum type="arabicPeriod"/>
-            </a:pPr>
-            <a:r>
-              <a:rPr lang="ru-RU" dirty="0" smtClean="0"/>
-              <a:t>Сбор метрик организован с кластера </a:t>
-            </a:r>
-            <a:r>
-              <a:rPr lang="en-US" dirty="0" err="1" smtClean="0"/>
-              <a:t>ZooKeeper</a:t>
-            </a:r>
-            <a:r>
-              <a:rPr lang="en-US" dirty="0" smtClean="0"/>
-              <a:t> (</a:t>
-            </a:r>
-            <a:r>
-              <a:rPr lang="en-US" dirty="0"/>
-              <a:t>Node Exporter + Internal </a:t>
-            </a:r>
-            <a:r>
-              <a:rPr lang="en-US" dirty="0" err="1" smtClean="0"/>
-              <a:t>ZooKeeper</a:t>
-            </a:r>
-            <a:r>
-              <a:rPr lang="en-US" dirty="0" smtClean="0"/>
-              <a:t> Exporter)</a:t>
+              <a:t>) -&gt;</a:t>
             </a:r>
             <a:endParaRPr lang="ru-RU" dirty="0" smtClean="0"/>
           </a:p>
           <a:p>
-            <a:pPr lvl="0" algn="just">
+            <a:pPr marL="120650" lvl="0" indent="0" algn="l" rtl="0">
               <a:lnSpc>
                 <a:spcPct val="100000"/>
               </a:lnSpc>
               <a:spcBef>
                 <a:spcPts val="0"/>
               </a:spcBef>
-              <a:buAutoNum type="arabicPeriod"/>
+              <a:spcAft>
+                <a:spcPts val="0"/>
+              </a:spcAft>
+              <a:buSzPts val="1700"/>
+              <a:buNone/>
             </a:pPr>
+            <a:endParaRPr lang="ru-RU" dirty="0"/>
+          </a:p>
+          <a:p>
+            <a:pPr marL="120650" lvl="0" indent="0" algn="l" rtl="0">
+              <a:lnSpc>
+                <a:spcPct val="100000"/>
+              </a:lnSpc>
+              <a:spcBef>
+                <a:spcPts val="0"/>
+              </a:spcBef>
+              <a:spcAft>
+                <a:spcPts val="0"/>
+              </a:spcAft>
+              <a:buSzPts val="1700"/>
+              <a:buNone/>
+            </a:pPr>
+            <a:r>
+              <a:rPr lang="en-US" dirty="0" smtClean="0"/>
+              <a:t> </a:t>
+            </a:r>
+            <a:r>
+              <a:rPr lang="ru-RU" dirty="0" smtClean="0"/>
+              <a:t>вставка данных в таблицу на движке </a:t>
+            </a:r>
+            <a:r>
+              <a:rPr lang="en-US" dirty="0" smtClean="0"/>
+              <a:t>Null -&gt; </a:t>
+            </a:r>
+            <a:endParaRPr lang="ru-RU" dirty="0" smtClean="0"/>
+          </a:p>
+          <a:p>
+            <a:pPr marL="120650" lvl="0" indent="0" algn="l" rtl="0">
+              <a:lnSpc>
+                <a:spcPct val="100000"/>
+              </a:lnSpc>
+              <a:spcBef>
+                <a:spcPts val="0"/>
+              </a:spcBef>
+              <a:spcAft>
+                <a:spcPts val="0"/>
+              </a:spcAft>
+              <a:buSzPts val="1700"/>
+              <a:buNone/>
+            </a:pPr>
+            <a:endParaRPr lang="ru-RU" dirty="0"/>
+          </a:p>
+          <a:p>
+            <a:pPr marL="120650" lvl="0" indent="0" algn="l" rtl="0">
+              <a:lnSpc>
+                <a:spcPct val="100000"/>
+              </a:lnSpc>
+              <a:spcBef>
+                <a:spcPts val="0"/>
+              </a:spcBef>
+              <a:spcAft>
+                <a:spcPts val="0"/>
+              </a:spcAft>
+              <a:buSzPts val="1700"/>
+              <a:buNone/>
+            </a:pPr>
+            <a:r>
+              <a:rPr lang="ru-RU" dirty="0" err="1" smtClean="0"/>
+              <a:t>матераизованное</a:t>
+            </a:r>
+            <a:r>
+              <a:rPr lang="ru-RU" dirty="0" smtClean="0"/>
+              <a:t> представление </a:t>
+            </a:r>
+            <a:r>
+              <a:rPr lang="en-US" dirty="0" smtClean="0"/>
+              <a:t>-&gt; </a:t>
+            </a:r>
+            <a:endParaRPr lang="ru-RU" dirty="0" smtClean="0"/>
+          </a:p>
+          <a:p>
+            <a:pPr marL="120650" lvl="0" indent="0" algn="l" rtl="0">
+              <a:lnSpc>
+                <a:spcPct val="100000"/>
+              </a:lnSpc>
+              <a:spcBef>
+                <a:spcPts val="0"/>
+              </a:spcBef>
+              <a:spcAft>
+                <a:spcPts val="0"/>
+              </a:spcAft>
+              <a:buSzPts val="1700"/>
+              <a:buNone/>
+            </a:pPr>
+            <a:endParaRPr lang="ru-RU" dirty="0"/>
+          </a:p>
+          <a:p>
+            <a:pPr marL="120650" lvl="0" indent="0" algn="l" rtl="0">
+              <a:lnSpc>
+                <a:spcPct val="100000"/>
+              </a:lnSpc>
+              <a:spcBef>
+                <a:spcPts val="0"/>
+              </a:spcBef>
+              <a:spcAft>
+                <a:spcPts val="0"/>
+              </a:spcAft>
+              <a:buSzPts val="1700"/>
+              <a:buNone/>
+            </a:pPr>
+            <a:r>
+              <a:rPr lang="ru-RU" dirty="0" smtClean="0"/>
+              <a:t>перекладывает данные (предварительно данные преобразуются) в таблицы на движках </a:t>
+            </a:r>
+            <a:r>
+              <a:rPr lang="en-US" dirty="0" err="1" smtClean="0"/>
+              <a:t>MergeTree</a:t>
+            </a:r>
             <a:endParaRPr dirty="0"/>
           </a:p>
         </p:txBody>
       </p:sp>
-      <p:pic>
-        <p:nvPicPr>
-          <p:cNvPr id="4" name="Рисунок 3"/>
-          <p:cNvPicPr>
-            <a:picLocks noChangeAspect="1"/>
-          </p:cNvPicPr>
-          <p:nvPr/>
-        </p:nvPicPr>
-        <p:blipFill rotWithShape="1">
-          <a:blip r:embed="rId3">
-            <a:extLst>
-              <a:ext uri="{28A0092B-C50C-407E-A947-70E740481C1C}">
-                <a14:useLocalDpi xmlns:a14="http://schemas.microsoft.com/office/drawing/2010/main" val="0"/>
-              </a:ext>
-            </a:extLst>
-          </a:blip>
-          <a:srcRect t="17651" b="58095"/>
-          <a:stretch/>
-        </p:blipFill>
-        <p:spPr>
-          <a:xfrm>
-            <a:off x="584345" y="3231072"/>
-            <a:ext cx="8362754" cy="3195854"/>
-          </a:xfrm>
-          <a:prstGeom prst="rect">
-            <a:avLst/>
-          </a:prstGeom>
-        </p:spPr>
-      </p:pic>
     </p:spTree>
     <p:extLst>
       <p:ext uri="{BB962C8B-B14F-4D97-AF65-F5344CB8AC3E}">
-        <p14:creationId xmlns:p14="http://schemas.microsoft.com/office/powerpoint/2010/main" val="1563659929"/>
+        <p14:creationId xmlns:p14="http://schemas.microsoft.com/office/powerpoint/2010/main" val="2603089899"/>
       </p:ext>
     </p:extLst>
   </p:cSld>
@@ -11120,6 +11725,412 @@
             </a:r>
             <a:r>
               <a:rPr lang="ru" dirty="0" smtClean="0"/>
+              <a:t>получилось (</a:t>
+            </a:r>
+            <a:r>
+              <a:rPr lang="en-US" dirty="0" smtClean="0"/>
+              <a:t>BI)</a:t>
+            </a:r>
+            <a:endParaRPr dirty="0"/>
+          </a:p>
+        </p:txBody>
+      </p:sp>
+      <p:sp>
+        <p:nvSpPr>
+          <p:cNvPr id="189" name="Google Shape;189;p37"/>
+          <p:cNvSpPr txBox="1">
+            <a:spLocks noGrp="1"/>
+          </p:cNvSpPr>
+          <p:nvPr>
+            <p:ph type="body" idx="1"/>
+          </p:nvPr>
+        </p:nvSpPr>
+        <p:spPr>
+          <a:xfrm>
+            <a:off x="500550" y="1825750"/>
+            <a:ext cx="8520600" cy="551690"/>
+          </a:xfrm>
+          <a:prstGeom prst="rect">
+            <a:avLst/>
+          </a:prstGeom>
+        </p:spPr>
+        <p:txBody>
+          <a:bodyPr spcFirstLastPara="1" wrap="square" lIns="91425" tIns="91425" rIns="91425" bIns="91425" anchor="t" anchorCtr="0">
+            <a:normAutofit/>
+          </a:bodyPr>
+          <a:lstStyle/>
+          <a:p>
+            <a:pPr marL="120650" lvl="0" indent="0" algn="l" rtl="0">
+              <a:lnSpc>
+                <a:spcPct val="100000"/>
+              </a:lnSpc>
+              <a:spcBef>
+                <a:spcPts val="0"/>
+              </a:spcBef>
+              <a:spcAft>
+                <a:spcPts val="0"/>
+              </a:spcAft>
+              <a:buSzPts val="1700"/>
+              <a:buNone/>
+            </a:pPr>
+            <a:r>
+              <a:rPr lang="ru-RU" dirty="0" smtClean="0"/>
+              <a:t>Аналитическая отчетность перенесена в </a:t>
+            </a:r>
+            <a:r>
+              <a:rPr lang="en-US" dirty="0" smtClean="0"/>
+              <a:t>BI Superset</a:t>
+            </a:r>
+            <a:endParaRPr lang="ru-RU" dirty="0" smtClean="0"/>
+          </a:p>
+          <a:p>
+            <a:pPr marL="120650" lvl="0" indent="0" algn="l" rtl="0">
+              <a:lnSpc>
+                <a:spcPct val="100000"/>
+              </a:lnSpc>
+              <a:spcBef>
+                <a:spcPts val="0"/>
+              </a:spcBef>
+              <a:spcAft>
+                <a:spcPts val="0"/>
+              </a:spcAft>
+              <a:buSzPts val="1700"/>
+              <a:buNone/>
+            </a:pPr>
+            <a:endParaRPr dirty="0"/>
+          </a:p>
+        </p:txBody>
+      </p:sp>
+      <p:pic>
+        <p:nvPicPr>
+          <p:cNvPr id="2" name="Рисунок 1"/>
+          <p:cNvPicPr>
+            <a:picLocks noChangeAspect="1"/>
+          </p:cNvPicPr>
+          <p:nvPr/>
+        </p:nvPicPr>
+        <p:blipFill>
+          <a:blip r:embed="rId3"/>
+          <a:stretch>
+            <a:fillRect/>
+          </a:stretch>
+        </p:blipFill>
+        <p:spPr>
+          <a:xfrm>
+            <a:off x="500550" y="2224404"/>
+            <a:ext cx="8520600" cy="3862442"/>
+          </a:xfrm>
+          <a:prstGeom prst="rect">
+            <a:avLst/>
+          </a:prstGeom>
+        </p:spPr>
+      </p:pic>
+    </p:spTree>
+    <p:extLst>
+      <p:ext uri="{BB962C8B-B14F-4D97-AF65-F5344CB8AC3E}">
+        <p14:creationId xmlns:p14="http://schemas.microsoft.com/office/powerpoint/2010/main" val="1922679694"/>
+      </p:ext>
+    </p:extLst>
+  </p:cSld>
+  <p:clrMapOvr>
+    <a:masterClrMapping/>
+  </p:clrMapOvr>
+  <p:timing>
+    <p:tnLst>
+      <p:par>
+        <p:cTn id="1" dur="indefinite" restart="never" nodeType="tmRoot"/>
+      </p:par>
+    </p:tnLst>
+  </p:timing>
+</p:sld>
+</file>
+
+<file path=ppt/slides/slide14.xml><?xml version="1.0" encoding="utf-8"?>
+<p:sld xmlns:a="http://schemas.openxmlformats.org/drawingml/2006/main" xmlns:r="http://schemas.openxmlformats.org/officeDocument/2006/relationships" xmlns:p="http://schemas.openxmlformats.org/presentationml/2006/main">
+  <p:cSld>
+    <p:spTree>
+      <p:nvGrpSpPr>
+        <p:cNvPr id="1" name="Shape 187"/>
+        <p:cNvGrpSpPr/>
+        <p:nvPr/>
+      </p:nvGrpSpPr>
+      <p:grpSpPr>
+        <a:xfrm>
+          <a:off x="0" y="0"/>
+          <a:ext cx="0" cy="0"/>
+          <a:chOff x="0" y="0"/>
+          <a:chExt cx="0" cy="0"/>
+        </a:xfrm>
+      </p:grpSpPr>
+      <p:sp>
+        <p:nvSpPr>
+          <p:cNvPr id="188" name="Google Shape;188;p37"/>
+          <p:cNvSpPr txBox="1">
+            <a:spLocks noGrp="1"/>
+          </p:cNvSpPr>
+          <p:nvPr>
+            <p:ph type="title"/>
+          </p:nvPr>
+        </p:nvSpPr>
+        <p:spPr>
+          <a:xfrm>
+            <a:off x="500550" y="440981"/>
+            <a:ext cx="8520600" cy="1306200"/>
+          </a:xfrm>
+          <a:prstGeom prst="rect">
+            <a:avLst/>
+          </a:prstGeom>
+        </p:spPr>
+        <p:txBody>
+          <a:bodyPr spcFirstLastPara="1" wrap="square" lIns="91425" tIns="91425" rIns="91425" bIns="91425" anchor="t" anchorCtr="0">
+            <a:noAutofit/>
+          </a:bodyPr>
+          <a:lstStyle/>
+          <a:p>
+            <a:pPr marL="0" lvl="0" indent="0" algn="l" rtl="0">
+              <a:spcBef>
+                <a:spcPts val="0"/>
+              </a:spcBef>
+              <a:spcAft>
+                <a:spcPts val="0"/>
+              </a:spcAft>
+              <a:buNone/>
+            </a:pPr>
+            <a:r>
+              <a:rPr lang="ru" dirty="0"/>
+              <a:t>Что </a:t>
+            </a:r>
+            <a:r>
+              <a:rPr lang="ru" dirty="0" smtClean="0"/>
+              <a:t>получилось (Мониторинг)</a:t>
+            </a:r>
+            <a:endParaRPr dirty="0"/>
+          </a:p>
+        </p:txBody>
+      </p:sp>
+      <p:sp>
+        <p:nvSpPr>
+          <p:cNvPr id="189" name="Google Shape;189;p37"/>
+          <p:cNvSpPr txBox="1">
+            <a:spLocks noGrp="1"/>
+          </p:cNvSpPr>
+          <p:nvPr>
+            <p:ph type="body" idx="1"/>
+          </p:nvPr>
+        </p:nvSpPr>
+        <p:spPr>
+          <a:xfrm>
+            <a:off x="500550" y="1825750"/>
+            <a:ext cx="8364776" cy="1326753"/>
+          </a:xfrm>
+          <a:prstGeom prst="rect">
+            <a:avLst/>
+          </a:prstGeom>
+        </p:spPr>
+        <p:txBody>
+          <a:bodyPr spcFirstLastPara="1" wrap="square" lIns="91425" tIns="91425" rIns="91425" bIns="91425" anchor="t" anchorCtr="0">
+            <a:normAutofit/>
+          </a:bodyPr>
+          <a:lstStyle/>
+          <a:p>
+            <a:pPr marL="457200" lvl="0" indent="-336550" algn="just" rtl="0">
+              <a:lnSpc>
+                <a:spcPct val="100000"/>
+              </a:lnSpc>
+              <a:spcBef>
+                <a:spcPts val="0"/>
+              </a:spcBef>
+              <a:spcAft>
+                <a:spcPts val="0"/>
+              </a:spcAft>
+              <a:buSzPts val="1700"/>
+              <a:buAutoNum type="arabicPeriod"/>
+            </a:pPr>
+            <a:r>
+              <a:rPr lang="ru-RU" dirty="0" smtClean="0"/>
+              <a:t>Сбор метрик организован с двух серверов </a:t>
+            </a:r>
+            <a:r>
+              <a:rPr lang="en-US" dirty="0" err="1" smtClean="0"/>
+              <a:t>ClickHouse</a:t>
+            </a:r>
+            <a:r>
+              <a:rPr lang="en-US" dirty="0" smtClean="0"/>
+              <a:t> (Node Exporter + Internal </a:t>
+            </a:r>
+            <a:r>
+              <a:rPr lang="en-US" dirty="0" err="1" smtClean="0"/>
+              <a:t>ClickHouse</a:t>
+            </a:r>
+            <a:r>
+              <a:rPr lang="en-US" dirty="0" smtClean="0"/>
+              <a:t> Exporter) </a:t>
+            </a:r>
+            <a:r>
+              <a:rPr lang="ru-RU" dirty="0" smtClean="0"/>
+              <a:t>средствами </a:t>
+            </a:r>
+            <a:r>
+              <a:rPr lang="en-US" dirty="0" smtClean="0"/>
+              <a:t>Prometheus</a:t>
+            </a:r>
+          </a:p>
+          <a:p>
+            <a:pPr lvl="0" algn="just">
+              <a:lnSpc>
+                <a:spcPct val="100000"/>
+              </a:lnSpc>
+              <a:spcBef>
+                <a:spcPts val="0"/>
+              </a:spcBef>
+              <a:buAutoNum type="arabicPeriod"/>
+            </a:pPr>
+            <a:r>
+              <a:rPr lang="ru-RU" dirty="0" smtClean="0"/>
+              <a:t>Сбор метрик организован с кластера </a:t>
+            </a:r>
+            <a:r>
+              <a:rPr lang="en-US" dirty="0" err="1" smtClean="0"/>
+              <a:t>ZooKeeper</a:t>
+            </a:r>
+            <a:r>
+              <a:rPr lang="en-US" dirty="0" smtClean="0"/>
+              <a:t> (</a:t>
+            </a:r>
+            <a:r>
+              <a:rPr lang="en-US" dirty="0"/>
+              <a:t>Node Exporter + Internal </a:t>
+            </a:r>
+            <a:r>
+              <a:rPr lang="en-US" dirty="0" err="1" smtClean="0"/>
+              <a:t>ZooKeeper</a:t>
+            </a:r>
+            <a:r>
+              <a:rPr lang="en-US" dirty="0" smtClean="0"/>
+              <a:t> Exporter)</a:t>
+            </a:r>
+            <a:endParaRPr lang="ru-RU" dirty="0" smtClean="0"/>
+          </a:p>
+          <a:p>
+            <a:pPr lvl="0" algn="just">
+              <a:lnSpc>
+                <a:spcPct val="100000"/>
+              </a:lnSpc>
+              <a:spcBef>
+                <a:spcPts val="0"/>
+              </a:spcBef>
+              <a:buAutoNum type="arabicPeriod"/>
+            </a:pPr>
+            <a:endParaRPr dirty="0"/>
+          </a:p>
+        </p:txBody>
+      </p:sp>
+      <p:pic>
+        <p:nvPicPr>
+          <p:cNvPr id="4" name="Рисунок 3"/>
+          <p:cNvPicPr>
+            <a:picLocks noChangeAspect="1"/>
+          </p:cNvPicPr>
+          <p:nvPr/>
+        </p:nvPicPr>
+        <p:blipFill rotWithShape="1">
+          <a:blip r:embed="rId3">
+            <a:extLst>
+              <a:ext uri="{28A0092B-C50C-407E-A947-70E740481C1C}">
+                <a14:useLocalDpi xmlns:a14="http://schemas.microsoft.com/office/drawing/2010/main" val="0"/>
+              </a:ext>
+            </a:extLst>
+          </a:blip>
+          <a:srcRect t="17651" b="58095"/>
+          <a:stretch/>
+        </p:blipFill>
+        <p:spPr>
+          <a:xfrm>
+            <a:off x="584345" y="3231072"/>
+            <a:ext cx="8362754" cy="3195854"/>
+          </a:xfrm>
+          <a:prstGeom prst="rect">
+            <a:avLst/>
+          </a:prstGeom>
+        </p:spPr>
+      </p:pic>
+    </p:spTree>
+    <p:extLst>
+      <p:ext uri="{BB962C8B-B14F-4D97-AF65-F5344CB8AC3E}">
+        <p14:creationId xmlns:p14="http://schemas.microsoft.com/office/powerpoint/2010/main" val="1563659929"/>
+      </p:ext>
+    </p:extLst>
+  </p:cSld>
+  <p:clrMapOvr>
+    <a:masterClrMapping/>
+  </p:clrMapOvr>
+  <p:timing>
+    <p:tnLst>
+      <p:par>
+        <p:cTn id="1" dur="indefinite" restart="never" nodeType="tmRoot"/>
+      </p:par>
+    </p:tnLst>
+  </p:timing>
+</p:sld>
+</file>
+
+<file path=ppt/slides/slide15.xml><?xml version="1.0" encoding="utf-8"?>
+<p:sld xmlns:a="http://schemas.openxmlformats.org/drawingml/2006/main" xmlns:r="http://schemas.openxmlformats.org/officeDocument/2006/relationships" xmlns:p="http://schemas.openxmlformats.org/presentationml/2006/main">
+  <p:cSld>
+    <p:spTree>
+      <p:nvGrpSpPr>
+        <p:cNvPr id="1" name="Shape 187"/>
+        <p:cNvGrpSpPr/>
+        <p:nvPr/>
+      </p:nvGrpSpPr>
+      <p:grpSpPr>
+        <a:xfrm>
+          <a:off x="0" y="0"/>
+          <a:ext cx="0" cy="0"/>
+          <a:chOff x="0" y="0"/>
+          <a:chExt cx="0" cy="0"/>
+        </a:xfrm>
+      </p:grpSpPr>
+      <p:sp>
+        <p:nvSpPr>
+          <p:cNvPr id="188" name="Google Shape;188;p37"/>
+          <p:cNvSpPr txBox="1">
+            <a:spLocks noGrp="1"/>
+          </p:cNvSpPr>
+          <p:nvPr>
+            <p:ph type="title"/>
+          </p:nvPr>
+        </p:nvSpPr>
+        <p:spPr>
+          <a:xfrm>
+            <a:off x="500550" y="440981"/>
+            <a:ext cx="8520600" cy="1306200"/>
+          </a:xfrm>
+          <a:prstGeom prst="rect">
+            <a:avLst/>
+          </a:prstGeom>
+        </p:spPr>
+        <p:txBody>
+          <a:bodyPr spcFirstLastPara="1" wrap="square" lIns="91425" tIns="91425" rIns="91425" bIns="91425" anchor="t" anchorCtr="0">
+            <a:noAutofit/>
+          </a:bodyPr>
+          <a:lstStyle/>
+          <a:p>
+            <a:pPr marL="0" lvl="0" indent="0" algn="l" rtl="0">
+              <a:spcBef>
+                <a:spcPts val="0"/>
+              </a:spcBef>
+              <a:spcAft>
+                <a:spcPts val="0"/>
+              </a:spcAft>
+              <a:buNone/>
+            </a:pPr>
+            <a:r>
+              <a:rPr lang="ru" dirty="0"/>
+              <a:t>Что </a:t>
+            </a:r>
+            <a:r>
+              <a:rPr lang="ru" dirty="0" smtClean="0"/>
               <a:t>получилось</a:t>
             </a:r>
             <a:r>
@@ -11240,7 +12251,7 @@
 </p:sld>
 </file>
 
-<file path=ppt/slides/slide14.xml><?xml version="1.0" encoding="utf-8"?>
+<file path=ppt/slides/slide16.xml><?xml version="1.0" encoding="utf-8"?>
 <p:sld xmlns:a="http://schemas.openxmlformats.org/drawingml/2006/main" xmlns:r="http://schemas.openxmlformats.org/officeDocument/2006/relationships" xmlns:p="http://schemas.openxmlformats.org/presentationml/2006/main">
   <p:cSld>
     <p:spTree>
@@ -11770,7 +12781,7 @@
 </p:sld>
 </file>
 
-<file path=ppt/slides/slide15.xml><?xml version="1.0" encoding="utf-8"?>
+<file path=ppt/slides/slide17.xml><?xml version="1.0" encoding="utf-8"?>
 <p:sld xmlns:a="http://schemas.openxmlformats.org/drawingml/2006/main" xmlns:r="http://schemas.openxmlformats.org/officeDocument/2006/relationships" xmlns:p="http://schemas.openxmlformats.org/presentationml/2006/main">
   <p:cSld>
     <p:spTree>
@@ -12557,7 +13568,7 @@
 </p:sld>
 </file>
 
-<file path=ppt/slides/slide16.xml><?xml version="1.0" encoding="utf-8"?>
+<file path=ppt/slides/slide18.xml><?xml version="1.0" encoding="utf-8"?>
 <p:sld xmlns:a="http://schemas.openxmlformats.org/drawingml/2006/main" xmlns:r="http://schemas.openxmlformats.org/officeDocument/2006/relationships" xmlns:p="http://schemas.openxmlformats.org/presentationml/2006/main">
   <p:cSld>
     <p:spTree>
@@ -12816,7 +13827,7 @@
 </p:sld>
 </file>
 
-<file path=ppt/slides/slide17.xml><?xml version="1.0" encoding="utf-8"?>
+<file path=ppt/slides/slide19.xml><?xml version="1.0" encoding="utf-8"?>
 <p:sld xmlns:a="http://schemas.openxmlformats.org/drawingml/2006/main" xmlns:r="http://schemas.openxmlformats.org/officeDocument/2006/relationships" xmlns:p="http://schemas.openxmlformats.org/presentationml/2006/main">
   <p:cSld>
     <p:spTree>
@@ -13325,108 +14336,6 @@
 </p:sld>
 </file>
 
-<file path=ppt/slides/slide18.xml><?xml version="1.0" encoding="utf-8"?>
-<p:sld xmlns:a="http://schemas.openxmlformats.org/drawingml/2006/main" xmlns:r="http://schemas.openxmlformats.org/officeDocument/2006/relationships" xmlns:p="http://schemas.openxmlformats.org/presentationml/2006/main">
-  <p:cSld>
-    <p:spTree>
-      <p:nvGrpSpPr>
-        <p:cNvPr id="1" name="Shape 207"/>
-        <p:cNvGrpSpPr/>
-        <p:nvPr/>
-      </p:nvGrpSpPr>
-      <p:grpSpPr>
-        <a:xfrm>
-          <a:off x="0" y="0"/>
-          <a:ext cx="0" cy="0"/>
-          <a:chOff x="0" y="0"/>
-          <a:chExt cx="0" cy="0"/>
-        </a:xfrm>
-      </p:grpSpPr>
-      <p:sp>
-        <p:nvSpPr>
-          <p:cNvPr id="208" name="Google Shape;208;p40"/>
-          <p:cNvSpPr txBox="1">
-            <a:spLocks noGrp="1"/>
-          </p:cNvSpPr>
-          <p:nvPr>
-            <p:ph type="title"/>
-          </p:nvPr>
-        </p:nvSpPr>
-        <p:spPr>
-          <a:xfrm>
-            <a:off x="956225" y="528525"/>
-            <a:ext cx="7706100" cy="5454300"/>
-          </a:xfrm>
-          <a:prstGeom prst="rect">
-            <a:avLst/>
-          </a:prstGeom>
-        </p:spPr>
-        <p:txBody>
-          <a:bodyPr spcFirstLastPara="1" wrap="square" lIns="91425" tIns="91425" rIns="91425" bIns="91425" anchor="ctr" anchorCtr="0">
-            <a:noAutofit/>
-          </a:bodyPr>
-          <a:lstStyle/>
-          <a:p>
-            <a:pPr marL="0" lvl="0" indent="0" algn="l" rtl="0">
-              <a:spcBef>
-                <a:spcPts val="0"/>
-              </a:spcBef>
-              <a:spcAft>
-                <a:spcPts val="0"/>
-              </a:spcAft>
-              <a:buClr>
-                <a:schemeClr val="dk1"/>
-              </a:buClr>
-              <a:buSzPts val="1100"/>
-              <a:buFont typeface="Arial"/>
-              <a:buNone/>
-            </a:pPr>
-            <a:r>
-              <a:rPr lang="ru"/>
-              <a:t>Спасибо за внимание!</a:t>
-            </a:r>
-            <a:r>
-              <a:rPr lang="ru" sz="5000" b="0"/>
-              <a:t/>
-            </a:r>
-            <a:br>
-              <a:rPr lang="ru" sz="5000" b="0"/>
-            </a:br>
-            <a:endParaRPr sz="1400" b="0">
-              <a:solidFill>
-                <a:schemeClr val="dk1"/>
-              </a:solidFill>
-            </a:endParaRPr>
-          </a:p>
-          <a:p>
-            <a:pPr marL="0" lvl="0" indent="0" algn="l" rtl="0">
-              <a:spcBef>
-                <a:spcPts val="0"/>
-              </a:spcBef>
-              <a:spcAft>
-                <a:spcPts val="0"/>
-              </a:spcAft>
-              <a:buNone/>
-            </a:pPr>
-            <a:endParaRPr/>
-          </a:p>
-        </p:txBody>
-      </p:sp>
-    </p:spTree>
-  </p:cSld>
-  <p:clrMapOvr>
-    <a:masterClrMapping/>
-  </p:clrMapOvr>
-  <p:timing>
-    <p:tnLst>
-      <p:par>
-        <p:cTn id="1" dur="indefinite" restart="never" nodeType="tmRoot"/>
-      </p:par>
-    </p:tnLst>
-  </p:timing>
-</p:sld>
-</file>
-
 <file path=ppt/slides/slide2.xml><?xml version="1.0" encoding="utf-8"?>
 <p:sld xmlns:a="http://schemas.openxmlformats.org/drawingml/2006/main" xmlns:r="http://schemas.openxmlformats.org/officeDocument/2006/relationships" xmlns:p="http://schemas.openxmlformats.org/presentationml/2006/main">
   <p:cSld>
@@ -13561,6 +14470,108 @@
           </a:ln>
         </p:spPr>
       </p:pic>
+    </p:spTree>
+  </p:cSld>
+  <p:clrMapOvr>
+    <a:masterClrMapping/>
+  </p:clrMapOvr>
+  <p:timing>
+    <p:tnLst>
+      <p:par>
+        <p:cTn id="1" dur="indefinite" restart="never" nodeType="tmRoot"/>
+      </p:par>
+    </p:tnLst>
+  </p:timing>
+</p:sld>
+</file>
+
+<file path=ppt/slides/slide20.xml><?xml version="1.0" encoding="utf-8"?>
+<p:sld xmlns:a="http://schemas.openxmlformats.org/drawingml/2006/main" xmlns:r="http://schemas.openxmlformats.org/officeDocument/2006/relationships" xmlns:p="http://schemas.openxmlformats.org/presentationml/2006/main">
+  <p:cSld>
+    <p:spTree>
+      <p:nvGrpSpPr>
+        <p:cNvPr id="1" name="Shape 207"/>
+        <p:cNvGrpSpPr/>
+        <p:nvPr/>
+      </p:nvGrpSpPr>
+      <p:grpSpPr>
+        <a:xfrm>
+          <a:off x="0" y="0"/>
+          <a:ext cx="0" cy="0"/>
+          <a:chOff x="0" y="0"/>
+          <a:chExt cx="0" cy="0"/>
+        </a:xfrm>
+      </p:grpSpPr>
+      <p:sp>
+        <p:nvSpPr>
+          <p:cNvPr id="208" name="Google Shape;208;p40"/>
+          <p:cNvSpPr txBox="1">
+            <a:spLocks noGrp="1"/>
+          </p:cNvSpPr>
+          <p:nvPr>
+            <p:ph type="title"/>
+          </p:nvPr>
+        </p:nvSpPr>
+        <p:spPr>
+          <a:xfrm>
+            <a:off x="956225" y="528525"/>
+            <a:ext cx="7706100" cy="5454300"/>
+          </a:xfrm>
+          <a:prstGeom prst="rect">
+            <a:avLst/>
+          </a:prstGeom>
+        </p:spPr>
+        <p:txBody>
+          <a:bodyPr spcFirstLastPara="1" wrap="square" lIns="91425" tIns="91425" rIns="91425" bIns="91425" anchor="ctr" anchorCtr="0">
+            <a:noAutofit/>
+          </a:bodyPr>
+          <a:lstStyle/>
+          <a:p>
+            <a:pPr marL="0" lvl="0" indent="0" algn="l" rtl="0">
+              <a:spcBef>
+                <a:spcPts val="0"/>
+              </a:spcBef>
+              <a:spcAft>
+                <a:spcPts val="0"/>
+              </a:spcAft>
+              <a:buClr>
+                <a:schemeClr val="dk1"/>
+              </a:buClr>
+              <a:buSzPts val="1100"/>
+              <a:buFont typeface="Arial"/>
+              <a:buNone/>
+            </a:pPr>
+            <a:r>
+              <a:rPr lang="ru"/>
+              <a:t>Спасибо за внимание!</a:t>
+            </a:r>
+            <a:r>
+              <a:rPr lang="ru" sz="5000" b="0"/>
+              <a:t/>
+            </a:r>
+            <a:br>
+              <a:rPr lang="ru" sz="5000" b="0"/>
+            </a:br>
+            <a:endParaRPr sz="1400" b="0">
+              <a:solidFill>
+                <a:schemeClr val="dk1"/>
+              </a:solidFill>
+            </a:endParaRPr>
+          </a:p>
+          <a:p>
+            <a:pPr marL="0" lvl="0" indent="0" algn="l" rtl="0">
+              <a:spcBef>
+                <a:spcPts val="0"/>
+              </a:spcBef>
+              <a:spcAft>
+                <a:spcPts val="0"/>
+              </a:spcAft>
+              <a:buNone/>
+            </a:pPr>
+            <a:endParaRPr/>
+          </a:p>
+        </p:txBody>
+      </p:sp>
     </p:spTree>
   </p:cSld>
   <p:clrMapOvr>
@@ -14865,25 +15876,7 @@
                           <a:cs typeface="Roboto"/>
                           <a:sym typeface="Roboto"/>
                         </a:rPr>
-                        <a:t>Организовать </a:t>
-                      </a:r>
-                      <a:r>
-                        <a:rPr lang="ru" sz="1700" dirty="0" smtClean="0">
-                          <a:latin typeface="Roboto"/>
-                          <a:ea typeface="Roboto"/>
-                          <a:cs typeface="Roboto"/>
-                          <a:sym typeface="Roboto"/>
-                        </a:rPr>
-                        <a:t>отображение </a:t>
-                      </a:r>
-                      <a:r>
-                        <a:rPr lang="ru" sz="1700" dirty="0" smtClean="0">
-                          <a:latin typeface="Roboto"/>
-                          <a:ea typeface="Roboto"/>
-                          <a:cs typeface="Roboto"/>
-                          <a:sym typeface="Roboto"/>
-                        </a:rPr>
-                        <a:t>данных</a:t>
+                        <a:t>Организовать отображение данных</a:t>
                       </a:r>
                       <a:r>
                         <a:rPr lang="ru" sz="1700" baseline="0" dirty="0" smtClean="0">

--- a/Презентация.pptx
+++ b/Презентация.pptx
@@ -13900,7 +13900,7 @@
         </p:nvGraphicFramePr>
         <p:xfrm>
           <a:off x="952500" y="2058925"/>
-          <a:ext cx="7239000" cy="1834900"/>
+          <a:ext cx="7239000" cy="1855410"/>
         </p:xfrm>
         <a:graphic>
           <a:graphicData uri="http://schemas.openxmlformats.org/drawingml/2006/table">
@@ -15549,14 +15549,14 @@
           <p:nvPr>
             <p:extLst>
               <p:ext uri="{D42A27DB-BD31-4B8C-83A1-F6EECF244321}">
-                <p14:modId xmlns:p14="http://schemas.microsoft.com/office/powerpoint/2010/main" val="3660375608"/>
+                <p14:modId xmlns:p14="http://schemas.microsoft.com/office/powerpoint/2010/main" val="481406103"/>
               </p:ext>
             </p:extLst>
           </p:nvPr>
         </p:nvGraphicFramePr>
         <p:xfrm>
           <a:off x="952500" y="2058925"/>
-          <a:ext cx="7239000" cy="1239016"/>
+          <a:ext cx="7239000" cy="1834900"/>
         </p:xfrm>
         <a:graphic>
           <a:graphicData uri="http://schemas.openxmlformats.org/drawingml/2006/table">
@@ -15692,7 +15692,34 @@
                           <a:cs typeface="Roboto"/>
                           <a:sym typeface="Roboto"/>
                         </a:rPr>
-                        <a:t>нагрузку с базы</a:t>
+                        <a:t>нагрузку,</a:t>
+                      </a:r>
+                      <a:r>
+                        <a:rPr lang="ru-RU" sz="1700" baseline="0" dirty="0" smtClean="0">
+                          <a:latin typeface="Roboto"/>
+                          <a:ea typeface="Roboto"/>
+                          <a:cs typeface="Roboto"/>
+                          <a:sym typeface="Roboto"/>
+                        </a:rPr>
+                        <a:t> связанную с формирование аналитических отчетов по начислению абонентов и их дебиторской задолженности,</a:t>
+                      </a:r>
+                      <a:r>
+                        <a:rPr lang="ru-RU" sz="1700" dirty="0" smtClean="0">
+                          <a:latin typeface="Roboto"/>
+                          <a:ea typeface="Roboto"/>
+                          <a:cs typeface="Roboto"/>
+                          <a:sym typeface="Roboto"/>
+                        </a:rPr>
+                        <a:t> </a:t>
+                      </a:r>
+                      <a:r>
+                        <a:rPr lang="ru-RU" sz="1700" dirty="0" smtClean="0">
+                          <a:latin typeface="Roboto"/>
+                          <a:ea typeface="Roboto"/>
+                          <a:cs typeface="Roboto"/>
+                          <a:sym typeface="Roboto"/>
+                        </a:rPr>
+                        <a:t>с базы</a:t>
                       </a:r>
                       <a:r>
                         <a:rPr lang="ru-RU" sz="1700" baseline="0" dirty="0" smtClean="0">
@@ -15719,7 +15746,43 @@
                           <a:cs typeface="Roboto"/>
                           <a:sym typeface="Roboto"/>
                         </a:rPr>
-                        <a:t> системы</a:t>
+                        <a:t> </a:t>
+                      </a:r>
+                      <a:r>
+                        <a:rPr lang="ru-RU" sz="1700" baseline="0" dirty="0" smtClean="0">
+                          <a:latin typeface="Roboto"/>
+                          <a:ea typeface="Roboto"/>
+                          <a:cs typeface="Roboto"/>
+                          <a:sym typeface="Roboto"/>
+                        </a:rPr>
+                        <a:t>системы в </a:t>
+                      </a:r>
+                      <a:r>
+                        <a:rPr lang="ru" sz="1700" baseline="0" dirty="0" smtClean="0">
+                          <a:latin typeface="Roboto"/>
+                          <a:ea typeface="Roboto"/>
+                          <a:cs typeface="Roboto"/>
+                          <a:sym typeface="Roboto"/>
+                        </a:rPr>
+                        <a:t>СУБД </a:t>
+                      </a:r>
+                      <a:r>
+                        <a:rPr lang="en-US" sz="1700" baseline="0" dirty="0" err="1" smtClean="0">
+                          <a:latin typeface="Roboto"/>
+                          <a:ea typeface="Roboto"/>
+                          <a:cs typeface="Roboto"/>
+                          <a:sym typeface="Roboto"/>
+                        </a:rPr>
+                        <a:t>ClickHouse</a:t>
+                      </a:r>
+                      <a:r>
+                        <a:rPr lang="ru-RU" sz="1700" baseline="0" dirty="0" smtClean="0">
+                          <a:latin typeface="Roboto"/>
+                          <a:ea typeface="Roboto"/>
+                          <a:cs typeface="Roboto"/>
+                          <a:sym typeface="Roboto"/>
+                        </a:rPr>
+                        <a:t> </a:t>
                       </a:r>
                       <a:endParaRPr sz="1700" dirty="0">
                         <a:latin typeface="Roboto"/>

--- a/Презентация.pptx
+++ b/Презентация.pptx
@@ -10917,15 +10917,11 @@
             </a:r>
             <a:r>
               <a:rPr lang="ru" dirty="0" smtClean="0"/>
-              <a:t>задолженности (ДЗ) - х</a:t>
-            </a:r>
-            <a:r>
-              <a:rPr lang="ru-RU" dirty="0" err="1" smtClean="0"/>
-              <a:t>арактеризует</a:t>
+              <a:t>задолженности (ДЗ) - </a:t>
             </a:r>
             <a:r>
               <a:rPr lang="ru-RU" dirty="0" smtClean="0"/>
-              <a:t> </a:t>
+              <a:t>характеризует </a:t>
             </a:r>
             <a:r>
               <a:rPr lang="ru-RU" dirty="0"/>
@@ -11593,12 +11589,8 @@
               <a:buNone/>
             </a:pPr>
             <a:r>
-              <a:rPr lang="ru-RU" dirty="0" err="1" smtClean="0"/>
-              <a:t>матераизованное</a:t>
-            </a:r>
-            <a:r>
               <a:rPr lang="ru-RU" dirty="0" smtClean="0"/>
-              <a:t> представление </a:t>
+              <a:t>материализованное представление </a:t>
             </a:r>
             <a:r>
               <a:rPr lang="en-US" dirty="0" smtClean="0"/>
@@ -15556,7 +15548,7 @@
         </p:nvGraphicFramePr>
         <p:xfrm>
           <a:off x="952500" y="2058925"/>
-          <a:ext cx="7239000" cy="1834900"/>
+          <a:ext cx="7239000" cy="1855410"/>
         </p:xfrm>
         <a:graphic>
           <a:graphicData uri="http://schemas.openxmlformats.org/drawingml/2006/table">
@@ -15710,16 +15702,7 @@
                           <a:cs typeface="Roboto"/>
                           <a:sym typeface="Roboto"/>
                         </a:rPr>
-                        <a:t> </a:t>
-                      </a:r>
-                      <a:r>
-                        <a:rPr lang="ru-RU" sz="1700" dirty="0" smtClean="0">
-                          <a:latin typeface="Roboto"/>
-                          <a:ea typeface="Roboto"/>
-                          <a:cs typeface="Roboto"/>
-                          <a:sym typeface="Roboto"/>
-                        </a:rPr>
-                        <a:t>с базы</a:t>
+                        <a:t> с базы</a:t>
                       </a:r>
                       <a:r>
                         <a:rPr lang="ru-RU" sz="1700" baseline="0" dirty="0" smtClean="0">
@@ -15746,16 +15729,7 @@
                           <a:cs typeface="Roboto"/>
                           <a:sym typeface="Roboto"/>
                         </a:rPr>
-                        <a:t> </a:t>
-                      </a:r>
-                      <a:r>
-                        <a:rPr lang="ru-RU" sz="1700" baseline="0" dirty="0" smtClean="0">
-                          <a:latin typeface="Roboto"/>
-                          <a:ea typeface="Roboto"/>
-                          <a:cs typeface="Roboto"/>
-                          <a:sym typeface="Roboto"/>
-                        </a:rPr>
-                        <a:t>системы в </a:t>
+                        <a:t> системы в </a:t>
                       </a:r>
                       <a:r>
                         <a:rPr lang="ru" sz="1700" baseline="0" dirty="0" smtClean="0">
@@ -17039,14 +17013,14 @@
           <p:nvPr>
             <p:extLst>
               <p:ext uri="{D42A27DB-BD31-4B8C-83A1-F6EECF244321}">
-                <p14:modId xmlns:p14="http://schemas.microsoft.com/office/powerpoint/2010/main" val="3963579209"/>
+                <p14:modId xmlns:p14="http://schemas.microsoft.com/office/powerpoint/2010/main" val="3526805094"/>
               </p:ext>
             </p:extLst>
           </p:nvPr>
         </p:nvGraphicFramePr>
         <p:xfrm>
           <a:off x="952500" y="2058925"/>
-          <a:ext cx="7239000" cy="2884752"/>
+          <a:ext cx="7239000" cy="2761692"/>
         </p:xfrm>
         <a:graphic>
           <a:graphicData uri="http://schemas.openxmlformats.org/drawingml/2006/table">
@@ -17182,7 +17156,7 @@
                           <a:cs typeface="Roboto"/>
                           <a:sym typeface="Roboto"/>
                         </a:rPr>
-                        <a:t>PostgreSQL</a:t>
+                        <a:t>PostgreSQL 12.17</a:t>
                       </a:r>
                       <a:endParaRPr sz="1700" dirty="0">
                         <a:latin typeface="Roboto"/>
@@ -17359,6 +17333,15 @@
                         </a:rPr>
                         <a:t>ClickHouse</a:t>
                       </a:r>
+                      <a:r>
+                        <a:rPr lang="en-US" sz="1700" dirty="0" smtClean="0">
+                          <a:latin typeface="Roboto"/>
+                          <a:ea typeface="Roboto"/>
+                          <a:cs typeface="Roboto"/>
+                          <a:sym typeface="Roboto"/>
+                        </a:rPr>
+                        <a:t> 23.11.2.11</a:t>
+                      </a:r>
                       <a:endParaRPr sz="1700" dirty="0">
                         <a:latin typeface="Roboto"/>
                         <a:ea typeface="Roboto"/>
@@ -17523,6 +17506,15 @@
                         </a:rPr>
                         <a:t>ZooKeeper</a:t>
                       </a:r>
+                      <a:r>
+                        <a:rPr lang="en-US" sz="1700" dirty="0" smtClean="0">
+                          <a:latin typeface="Roboto"/>
+                          <a:ea typeface="Roboto"/>
+                          <a:cs typeface="Roboto"/>
+                          <a:sym typeface="Roboto"/>
+                        </a:rPr>
+                        <a:t> 3.9.1</a:t>
+                      </a:r>
                       <a:endParaRPr sz="1700" dirty="0">
                         <a:latin typeface="Roboto"/>
                         <a:ea typeface="Roboto"/>
@@ -17685,7 +17677,7 @@
                           <a:cs typeface="Roboto"/>
                           <a:sym typeface="Roboto"/>
                         </a:rPr>
-                        <a:t>Prometheus</a:t>
+                        <a:t>Prometheus 2.48.0-rc.2</a:t>
                       </a:r>
                       <a:endParaRPr sz="1700" dirty="0">
                         <a:latin typeface="Roboto"/>
@@ -17855,6 +17847,15 @@
                         </a:rPr>
                         <a:t>Grafana</a:t>
                       </a:r>
+                      <a:r>
+                        <a:rPr lang="en-US" sz="1700" dirty="0" smtClean="0">
+                          <a:latin typeface="Roboto"/>
+                          <a:ea typeface="Roboto"/>
+                          <a:cs typeface="Roboto"/>
+                          <a:sym typeface="Roboto"/>
+                        </a:rPr>
+                        <a:t> 9.5.17</a:t>
+                      </a:r>
                       <a:endParaRPr sz="1700" dirty="0">
                         <a:latin typeface="Roboto"/>
                         <a:ea typeface="Roboto"/>
@@ -18015,13 +18016,13 @@
                         <a:buNone/>
                       </a:pPr>
                       <a:r>
-                        <a:rPr lang="en-US" sz="1700" dirty="0" err="1" smtClean="0">
+                        <a:rPr lang="en-US" sz="1700" smtClean="0">
                           <a:latin typeface="Roboto"/>
                           <a:ea typeface="Roboto"/>
                           <a:cs typeface="Roboto"/>
                           <a:sym typeface="Roboto"/>
                         </a:rPr>
-                        <a:t>SuperSet</a:t>
+                        <a:t>SuperSet 2.0</a:t>
                       </a:r>
                       <a:endParaRPr sz="1700" dirty="0">
                         <a:latin typeface="Roboto"/>
@@ -18218,15 +18219,7 @@
             </a:pPr>
             <a:r>
               <a:rPr lang="ru-RU" dirty="0" smtClean="0"/>
-              <a:t>Отказоустойчивость обеспечивается репликацией таблиц с данными на второй </a:t>
-            </a:r>
-            <a:r>
-              <a:rPr lang="ru-RU" dirty="0" err="1" smtClean="0"/>
-              <a:t>эксземпляр</a:t>
-            </a:r>
-            <a:r>
-              <a:rPr lang="ru-RU" dirty="0" smtClean="0"/>
-              <a:t> СУБД </a:t>
+              <a:t>Отказоустойчивость обеспечивается репликацией таблиц с данными на второй экземпляр СУБД </a:t>
             </a:r>
             <a:r>
               <a:rPr lang="en-US" dirty="0" err="1" smtClean="0"/>
